--- a/My ignoring machine - slideshow.pptx
+++ b/My ignoring machine - slideshow.pptx
@@ -6,9 +6,19 @@
   </p:sldMasterIdLst>
   <p:sldIdLst>
     <p:sldId id="256" r:id="rId2"/>
-    <p:sldId id="257" r:id="rId3"/>
-    <p:sldId id="258" r:id="rId4"/>
-    <p:sldId id="259" r:id="rId5"/>
+    <p:sldId id="269" r:id="rId3"/>
+    <p:sldId id="270" r:id="rId4"/>
+    <p:sldId id="273" r:id="rId5"/>
+    <p:sldId id="271" r:id="rId6"/>
+    <p:sldId id="257" r:id="rId7"/>
+    <p:sldId id="272" r:id="rId8"/>
+    <p:sldId id="262" r:id="rId9"/>
+    <p:sldId id="275" r:id="rId10"/>
+    <p:sldId id="274" r:id="rId11"/>
+    <p:sldId id="276" r:id="rId12"/>
+    <p:sldId id="261" r:id="rId13"/>
+    <p:sldId id="268" r:id="rId14"/>
+    <p:sldId id="259" r:id="rId15"/>
   </p:sldIdLst>
   <p:sldSz cx="12192000" cy="6858000"/>
   <p:notesSz cx="6858000" cy="9144000"/>
@@ -107,6 +117,11 @@
       </a:defRPr>
     </a:lvl9pPr>
   </p:defaultTextStyle>
+  <p:extLst>
+    <p:ext uri="{EFAFB233-063F-42B5-8137-9DF3F51BA10A}">
+      <p15:sldGuideLst xmlns:p15="http://schemas.microsoft.com/office/powerpoint/2012/main"/>
+    </p:ext>
+  </p:extLst>
 </p:presentation>
 </file>
 
@@ -259,7 +274,7 @@
           <a:p>
             <a:fld id="{98C1642F-8902-418A-8F26-43E38C01084B}" type="datetimeFigureOut">
               <a:rPr lang="en-GB" smtClean="0"/>
-              <a:t>26/05/2022</a:t>
+              <a:t>30/05/2022</a:t>
             </a:fld>
             <a:endParaRPr lang="en-GB"/>
           </a:p>
@@ -459,7 +474,7 @@
           <a:p>
             <a:fld id="{98C1642F-8902-418A-8F26-43E38C01084B}" type="datetimeFigureOut">
               <a:rPr lang="en-GB" smtClean="0"/>
-              <a:t>26/05/2022</a:t>
+              <a:t>30/05/2022</a:t>
             </a:fld>
             <a:endParaRPr lang="en-GB"/>
           </a:p>
@@ -669,7 +684,7 @@
           <a:p>
             <a:fld id="{98C1642F-8902-418A-8F26-43E38C01084B}" type="datetimeFigureOut">
               <a:rPr lang="en-GB" smtClean="0"/>
-              <a:t>26/05/2022</a:t>
+              <a:t>30/05/2022</a:t>
             </a:fld>
             <a:endParaRPr lang="en-GB"/>
           </a:p>
@@ -869,7 +884,7 @@
           <a:p>
             <a:fld id="{98C1642F-8902-418A-8F26-43E38C01084B}" type="datetimeFigureOut">
               <a:rPr lang="en-GB" smtClean="0"/>
-              <a:t>26/05/2022</a:t>
+              <a:t>30/05/2022</a:t>
             </a:fld>
             <a:endParaRPr lang="en-GB"/>
           </a:p>
@@ -1145,7 +1160,7 @@
           <a:p>
             <a:fld id="{98C1642F-8902-418A-8F26-43E38C01084B}" type="datetimeFigureOut">
               <a:rPr lang="en-GB" smtClean="0"/>
-              <a:t>26/05/2022</a:t>
+              <a:t>30/05/2022</a:t>
             </a:fld>
             <a:endParaRPr lang="en-GB"/>
           </a:p>
@@ -1413,7 +1428,7 @@
           <a:p>
             <a:fld id="{98C1642F-8902-418A-8F26-43E38C01084B}" type="datetimeFigureOut">
               <a:rPr lang="en-GB" smtClean="0"/>
-              <a:t>26/05/2022</a:t>
+              <a:t>30/05/2022</a:t>
             </a:fld>
             <a:endParaRPr lang="en-GB"/>
           </a:p>
@@ -1828,7 +1843,7 @@
           <a:p>
             <a:fld id="{98C1642F-8902-418A-8F26-43E38C01084B}" type="datetimeFigureOut">
               <a:rPr lang="en-GB" smtClean="0"/>
-              <a:t>26/05/2022</a:t>
+              <a:t>30/05/2022</a:t>
             </a:fld>
             <a:endParaRPr lang="en-GB"/>
           </a:p>
@@ -1970,7 +1985,7 @@
           <a:p>
             <a:fld id="{98C1642F-8902-418A-8F26-43E38C01084B}" type="datetimeFigureOut">
               <a:rPr lang="en-GB" smtClean="0"/>
-              <a:t>26/05/2022</a:t>
+              <a:t>30/05/2022</a:t>
             </a:fld>
             <a:endParaRPr lang="en-GB"/>
           </a:p>
@@ -2083,7 +2098,7 @@
           <a:p>
             <a:fld id="{98C1642F-8902-418A-8F26-43E38C01084B}" type="datetimeFigureOut">
               <a:rPr lang="en-GB" smtClean="0"/>
-              <a:t>26/05/2022</a:t>
+              <a:t>30/05/2022</a:t>
             </a:fld>
             <a:endParaRPr lang="en-GB"/>
           </a:p>
@@ -2396,7 +2411,7 @@
           <a:p>
             <a:fld id="{98C1642F-8902-418A-8F26-43E38C01084B}" type="datetimeFigureOut">
               <a:rPr lang="en-GB" smtClean="0"/>
-              <a:t>26/05/2022</a:t>
+              <a:t>30/05/2022</a:t>
             </a:fld>
             <a:endParaRPr lang="en-GB"/>
           </a:p>
@@ -2685,7 +2700,7 @@
           <a:p>
             <a:fld id="{98C1642F-8902-418A-8F26-43E38C01084B}" type="datetimeFigureOut">
               <a:rPr lang="en-GB" smtClean="0"/>
-              <a:t>26/05/2022</a:t>
+              <a:t>30/05/2022</a:t>
             </a:fld>
             <a:endParaRPr lang="en-GB"/>
           </a:p>
@@ -2928,7 +2943,7 @@
           <a:p>
             <a:fld id="{98C1642F-8902-418A-8F26-43E38C01084B}" type="datetimeFigureOut">
               <a:rPr lang="en-GB" smtClean="0"/>
-              <a:t>26/05/2022</a:t>
+              <a:t>30/05/2022</a:t>
             </a:fld>
             <a:endParaRPr lang="en-GB"/>
           </a:p>
@@ -3366,7 +3381,10 @@
           <a:bodyPr/>
           <a:lstStyle/>
           <a:p>
-            <a:endParaRPr lang="en-GB"/>
+            <a:r>
+              <a:rPr lang="en-GB" dirty="0"/>
+              <a:t>My ignoring machine</a:t>
+            </a:r>
           </a:p>
         </p:txBody>
       </p:sp>
@@ -3390,6 +3408,17 @@
         <p:txBody>
           <a:bodyPr/>
           <a:lstStyle/>
+          <a:p>
+            <a:r>
+              <a:rPr lang="en-GB" dirty="0">
+                <a:solidFill>
+                  <a:srgbClr val="000305"/>
+                </a:solidFill>
+                <a:latin typeface="Source Sans Pro" panose="020B0503030403020204" pitchFamily="34" charset="0"/>
+              </a:rPr>
+              <a:t>Denoising AutoEncoders</a:t>
+            </a:r>
+          </a:p>
           <a:p>
             <a:r>
               <a:rPr lang="en-GB" b="0" i="0" dirty="0">
@@ -3401,36 +3430,6 @@
               </a:rPr>
               <a:t> </a:t>
             </a:r>
-            <a:r>
-              <a:rPr lang="en-GB" b="0" i="1" dirty="0">
-                <a:solidFill>
-                  <a:srgbClr val="000305"/>
-                </a:solidFill>
-                <a:effectLst/>
-                <a:latin typeface="Source Sans Pro" panose="020B0503030403020204" pitchFamily="34" charset="0"/>
-              </a:rPr>
-              <a:t>self-supervised</a:t>
-            </a:r>
-            <a:r>
-              <a:rPr lang="en-GB" b="0" i="0" dirty="0">
-                <a:solidFill>
-                  <a:srgbClr val="000305"/>
-                </a:solidFill>
-                <a:effectLst/>
-                <a:latin typeface="Source Sans Pro" panose="020B0503030403020204" pitchFamily="34" charset="0"/>
-              </a:rPr>
-              <a:t> </a:t>
-            </a:r>
-            <a:r>
-              <a:rPr lang="en-GB" b="0" i="0" dirty="0" err="1">
-                <a:solidFill>
-                  <a:srgbClr val="000305"/>
-                </a:solidFill>
-                <a:effectLst/>
-                <a:latin typeface="Source Sans Pro" panose="020B0503030403020204" pitchFamily="34" charset="0"/>
-              </a:rPr>
-              <a:t>techniqu</a:t>
-            </a:r>
             <a:endParaRPr lang="en-GB" dirty="0"/>
           </a:p>
         </p:txBody>
@@ -3439,6 +3438,1844 @@
     <p:extLst>
       <p:ext uri="{BB962C8B-B14F-4D97-AF65-F5344CB8AC3E}">
         <p14:creationId xmlns:p14="http://schemas.microsoft.com/office/powerpoint/2010/main" val="3352564890"/>
+      </p:ext>
+    </p:extLst>
+  </p:cSld>
+  <p:clrMapOvr>
+    <a:masterClrMapping/>
+  </p:clrMapOvr>
+</p:sld>
+</file>
+
+<file path=ppt/slides/slide10.xml><?xml version="1.0" encoding="utf-8"?>
+<p:sld xmlns:a="http://schemas.openxmlformats.org/drawingml/2006/main" xmlns:r="http://schemas.openxmlformats.org/officeDocument/2006/relationships" xmlns:p="http://schemas.openxmlformats.org/presentationml/2006/main">
+  <p:cSld>
+    <p:spTree>
+      <p:nvGrpSpPr>
+        <p:cNvPr id="1" name=""/>
+        <p:cNvGrpSpPr/>
+        <p:nvPr/>
+      </p:nvGrpSpPr>
+      <p:grpSpPr>
+        <a:xfrm>
+          <a:off x="0" y="0"/>
+          <a:ext cx="0" cy="0"/>
+          <a:chOff x="0" y="0"/>
+          <a:chExt cx="0" cy="0"/>
+        </a:xfrm>
+      </p:grpSpPr>
+      <p:pic>
+        <p:nvPicPr>
+          <p:cNvPr id="13" name="Picture 12">
+            <a:extLst>
+              <a:ext uri="{FF2B5EF4-FFF2-40B4-BE49-F238E27FC236}">
+                <a16:creationId xmlns:a16="http://schemas.microsoft.com/office/drawing/2014/main" id="{8BB2AA15-46C9-45FB-0E1F-D9D20CE1EAE6}"/>
+              </a:ext>
+            </a:extLst>
+          </p:cNvPr>
+          <p:cNvPicPr>
+            <a:picLocks noChangeAspect="1"/>
+          </p:cNvPicPr>
+          <p:nvPr/>
+        </p:nvPicPr>
+        <p:blipFill rotWithShape="1">
+          <a:blip r:embed="rId2"/>
+          <a:srcRect r="23492"/>
+          <a:stretch/>
+        </p:blipFill>
+        <p:spPr>
+          <a:xfrm>
+            <a:off x="134468" y="1535188"/>
+            <a:ext cx="3104843" cy="4139746"/>
+          </a:xfrm>
+          <a:prstGeom prst="rect">
+            <a:avLst/>
+          </a:prstGeom>
+        </p:spPr>
+      </p:pic>
+      <p:sp>
+        <p:nvSpPr>
+          <p:cNvPr id="4" name="TextBox 3">
+            <a:extLst>
+              <a:ext uri="{FF2B5EF4-FFF2-40B4-BE49-F238E27FC236}">
+                <a16:creationId xmlns:a16="http://schemas.microsoft.com/office/drawing/2014/main" id="{4B1D3D9B-E59E-2BF1-605B-2A406343AB26}"/>
+              </a:ext>
+            </a:extLst>
+          </p:cNvPr>
+          <p:cNvSpPr txBox="1"/>
+          <p:nvPr/>
+        </p:nvSpPr>
+        <p:spPr>
+          <a:xfrm>
+            <a:off x="239321" y="369503"/>
+            <a:ext cx="3484267" cy="523220"/>
+          </a:xfrm>
+          <a:prstGeom prst="rect">
+            <a:avLst/>
+          </a:prstGeom>
+          <a:noFill/>
+        </p:spPr>
+        <p:txBody>
+          <a:bodyPr wrap="square" rtlCol="0">
+            <a:spAutoFit/>
+          </a:bodyPr>
+          <a:lstStyle/>
+          <a:p>
+            <a:r>
+              <a:rPr lang="en-US" sz="2800" dirty="0"/>
+              <a:t>Conv. Model results</a:t>
+            </a:r>
+            <a:endParaRPr lang="en-GB" sz="2800" dirty="0"/>
+          </a:p>
+        </p:txBody>
+      </p:sp>
+      <p:sp>
+        <p:nvSpPr>
+          <p:cNvPr id="5" name="Rectangle 4">
+            <a:extLst>
+              <a:ext uri="{FF2B5EF4-FFF2-40B4-BE49-F238E27FC236}">
+                <a16:creationId xmlns:a16="http://schemas.microsoft.com/office/drawing/2014/main" id="{9CBB55E2-C367-BF3F-8592-E3FF392E0B6E}"/>
+              </a:ext>
+            </a:extLst>
+          </p:cNvPr>
+          <p:cNvSpPr/>
+          <p:nvPr/>
+        </p:nvSpPr>
+        <p:spPr>
+          <a:xfrm>
+            <a:off x="122548" y="2325757"/>
+            <a:ext cx="5003929" cy="2554356"/>
+          </a:xfrm>
+          <a:prstGeom prst="rect">
+            <a:avLst/>
+          </a:prstGeom>
+          <a:noFill/>
+          <a:ln w="57150">
+            <a:solidFill>
+              <a:schemeClr val="bg1">
+                <a:lumMod val="75000"/>
+              </a:schemeClr>
+            </a:solidFill>
+          </a:ln>
+        </p:spPr>
+        <p:style>
+          <a:lnRef idx="2">
+            <a:schemeClr val="accent1">
+              <a:shade val="50000"/>
+            </a:schemeClr>
+          </a:lnRef>
+          <a:fillRef idx="1">
+            <a:schemeClr val="accent1"/>
+          </a:fillRef>
+          <a:effectRef idx="0">
+            <a:schemeClr val="accent1"/>
+          </a:effectRef>
+          <a:fontRef idx="minor">
+            <a:schemeClr val="lt1"/>
+          </a:fontRef>
+        </p:style>
+        <p:txBody>
+          <a:bodyPr rtlCol="0" anchor="ctr"/>
+          <a:lstStyle/>
+          <a:p>
+            <a:pPr algn="ctr"/>
+            <a:endParaRPr lang="en-GB"/>
+          </a:p>
+        </p:txBody>
+      </p:sp>
+      <p:sp>
+        <p:nvSpPr>
+          <p:cNvPr id="6" name="TextBox 5">
+            <a:extLst>
+              <a:ext uri="{FF2B5EF4-FFF2-40B4-BE49-F238E27FC236}">
+                <a16:creationId xmlns:a16="http://schemas.microsoft.com/office/drawing/2014/main" id="{4A097766-124E-9908-0224-5E358743417D}"/>
+              </a:ext>
+            </a:extLst>
+          </p:cNvPr>
+          <p:cNvSpPr txBox="1"/>
+          <p:nvPr/>
+        </p:nvSpPr>
+        <p:spPr>
+          <a:xfrm>
+            <a:off x="3362412" y="3429000"/>
+            <a:ext cx="936475" cy="369332"/>
+          </a:xfrm>
+          <a:prstGeom prst="rect">
+            <a:avLst/>
+          </a:prstGeom>
+          <a:noFill/>
+        </p:spPr>
+        <p:txBody>
+          <a:bodyPr wrap="none" rtlCol="0">
+            <a:spAutoFit/>
+          </a:bodyPr>
+          <a:lstStyle/>
+          <a:p>
+            <a:r>
+              <a:rPr lang="en-GB" b="1" dirty="0"/>
+              <a:t>Original</a:t>
+            </a:r>
+          </a:p>
+        </p:txBody>
+      </p:sp>
+      <p:sp>
+        <p:nvSpPr>
+          <p:cNvPr id="7" name="TextBox 6">
+            <a:extLst>
+              <a:ext uri="{FF2B5EF4-FFF2-40B4-BE49-F238E27FC236}">
+                <a16:creationId xmlns:a16="http://schemas.microsoft.com/office/drawing/2014/main" id="{A9E0EE51-B2D8-C24F-2120-96B32DA4E1AA}"/>
+              </a:ext>
+            </a:extLst>
+          </p:cNvPr>
+          <p:cNvSpPr txBox="1"/>
+          <p:nvPr/>
+        </p:nvSpPr>
+        <p:spPr>
+          <a:xfrm>
+            <a:off x="3150194" y="2439463"/>
+            <a:ext cx="2048287" cy="646331"/>
+          </a:xfrm>
+          <a:prstGeom prst="rect">
+            <a:avLst/>
+          </a:prstGeom>
+          <a:noFill/>
+        </p:spPr>
+        <p:txBody>
+          <a:bodyPr wrap="square" rtlCol="0">
+            <a:spAutoFit/>
+          </a:bodyPr>
+          <a:lstStyle/>
+          <a:p>
+            <a:r>
+              <a:rPr lang="en-GB" dirty="0"/>
+              <a:t>Reconstruction </a:t>
+            </a:r>
+            <a:r>
+              <a:rPr lang="en-GB" b="1" dirty="0"/>
+              <a:t>regular</a:t>
+            </a:r>
+            <a:r>
+              <a:rPr lang="en-GB" dirty="0"/>
+              <a:t> ‘noise’</a:t>
+            </a:r>
+          </a:p>
+        </p:txBody>
+      </p:sp>
+      <p:sp>
+        <p:nvSpPr>
+          <p:cNvPr id="8" name="TextBox 7">
+            <a:extLst>
+              <a:ext uri="{FF2B5EF4-FFF2-40B4-BE49-F238E27FC236}">
+                <a16:creationId xmlns:a16="http://schemas.microsoft.com/office/drawing/2014/main" id="{4E709E1E-7917-D27C-A5BE-B9D0167A83A7}"/>
+              </a:ext>
+            </a:extLst>
+          </p:cNvPr>
+          <p:cNvSpPr txBox="1"/>
+          <p:nvPr/>
+        </p:nvSpPr>
+        <p:spPr>
+          <a:xfrm>
+            <a:off x="3204136" y="4089850"/>
+            <a:ext cx="2147154" cy="646331"/>
+          </a:xfrm>
+          <a:prstGeom prst="rect">
+            <a:avLst/>
+          </a:prstGeom>
+          <a:noFill/>
+        </p:spPr>
+        <p:txBody>
+          <a:bodyPr wrap="square" rtlCol="0">
+            <a:spAutoFit/>
+          </a:bodyPr>
+          <a:lstStyle/>
+          <a:p>
+            <a:r>
+              <a:rPr lang="en-GB" dirty="0"/>
+              <a:t>Reconstruction </a:t>
+            </a:r>
+          </a:p>
+          <a:p>
+            <a:r>
+              <a:rPr lang="en-GB" b="1" dirty="0"/>
+              <a:t>random</a:t>
+            </a:r>
+            <a:r>
+              <a:rPr lang="en-GB" dirty="0"/>
+              <a:t> noise</a:t>
+            </a:r>
+          </a:p>
+        </p:txBody>
+      </p:sp>
+      <p:cxnSp>
+        <p:nvCxnSpPr>
+          <p:cNvPr id="10" name="Straight Connector 9">
+            <a:extLst>
+              <a:ext uri="{FF2B5EF4-FFF2-40B4-BE49-F238E27FC236}">
+                <a16:creationId xmlns:a16="http://schemas.microsoft.com/office/drawing/2014/main" id="{AC9CC594-C293-E8FF-A00D-2236B5461404}"/>
+              </a:ext>
+            </a:extLst>
+          </p:cNvPr>
+          <p:cNvCxnSpPr/>
+          <p:nvPr/>
+        </p:nvCxnSpPr>
+        <p:spPr>
+          <a:xfrm>
+            <a:off x="3156429" y="3176970"/>
+            <a:ext cx="1769674" cy="0"/>
+          </a:xfrm>
+          <a:prstGeom prst="line">
+            <a:avLst/>
+          </a:prstGeom>
+        </p:spPr>
+        <p:style>
+          <a:lnRef idx="1">
+            <a:schemeClr val="accent3"/>
+          </a:lnRef>
+          <a:fillRef idx="0">
+            <a:schemeClr val="accent3"/>
+          </a:fillRef>
+          <a:effectRef idx="0">
+            <a:schemeClr val="accent3"/>
+          </a:effectRef>
+          <a:fontRef idx="minor">
+            <a:schemeClr val="tx1"/>
+          </a:fontRef>
+        </p:style>
+      </p:cxnSp>
+      <p:cxnSp>
+        <p:nvCxnSpPr>
+          <p:cNvPr id="11" name="Straight Connector 10">
+            <a:extLst>
+              <a:ext uri="{FF2B5EF4-FFF2-40B4-BE49-F238E27FC236}">
+                <a16:creationId xmlns:a16="http://schemas.microsoft.com/office/drawing/2014/main" id="{362DF107-1FE7-4B2A-F15E-D8C130954B07}"/>
+              </a:ext>
+            </a:extLst>
+          </p:cNvPr>
+          <p:cNvCxnSpPr/>
+          <p:nvPr/>
+        </p:nvCxnSpPr>
+        <p:spPr>
+          <a:xfrm>
+            <a:off x="3186279" y="3998673"/>
+            <a:ext cx="1769674" cy="0"/>
+          </a:xfrm>
+          <a:prstGeom prst="line">
+            <a:avLst/>
+          </a:prstGeom>
+        </p:spPr>
+        <p:style>
+          <a:lnRef idx="1">
+            <a:schemeClr val="accent3"/>
+          </a:lnRef>
+          <a:fillRef idx="0">
+            <a:schemeClr val="accent3"/>
+          </a:fillRef>
+          <a:effectRef idx="0">
+            <a:schemeClr val="accent3"/>
+          </a:effectRef>
+          <a:fontRef idx="minor">
+            <a:schemeClr val="tx1"/>
+          </a:fontRef>
+        </p:style>
+      </p:cxnSp>
+      <p:pic>
+        <p:nvPicPr>
+          <p:cNvPr id="18" name="Picture 17">
+            <a:extLst>
+              <a:ext uri="{FF2B5EF4-FFF2-40B4-BE49-F238E27FC236}">
+                <a16:creationId xmlns:a16="http://schemas.microsoft.com/office/drawing/2014/main" id="{4FC4ACA7-684F-0C3A-14AD-22E8128FA238}"/>
+              </a:ext>
+            </a:extLst>
+          </p:cNvPr>
+          <p:cNvPicPr>
+            <a:picLocks noChangeAspect="1"/>
+          </p:cNvPicPr>
+          <p:nvPr/>
+        </p:nvPicPr>
+        <p:blipFill>
+          <a:blip r:embed="rId3"/>
+          <a:stretch>
+            <a:fillRect/>
+          </a:stretch>
+        </p:blipFill>
+        <p:spPr>
+          <a:xfrm>
+            <a:off x="5576103" y="1763642"/>
+            <a:ext cx="6443496" cy="3678586"/>
+          </a:xfrm>
+          <a:prstGeom prst="rect">
+            <a:avLst/>
+          </a:prstGeom>
+        </p:spPr>
+      </p:pic>
+      <p:pic>
+        <p:nvPicPr>
+          <p:cNvPr id="21" name="Picture 20">
+            <a:extLst>
+              <a:ext uri="{FF2B5EF4-FFF2-40B4-BE49-F238E27FC236}">
+                <a16:creationId xmlns:a16="http://schemas.microsoft.com/office/drawing/2014/main" id="{849EF534-EFFD-02FF-7284-245CF97755EC}"/>
+              </a:ext>
+            </a:extLst>
+          </p:cNvPr>
+          <p:cNvPicPr>
+            <a:picLocks noChangeAspect="1"/>
+          </p:cNvPicPr>
+          <p:nvPr/>
+        </p:nvPicPr>
+        <p:blipFill rotWithShape="1">
+          <a:blip r:embed="rId4"/>
+          <a:srcRect l="58691" b="93164"/>
+          <a:stretch/>
+        </p:blipFill>
+        <p:spPr>
+          <a:xfrm>
+            <a:off x="9136379" y="1799364"/>
+            <a:ext cx="2712721" cy="243831"/>
+          </a:xfrm>
+          <a:prstGeom prst="rect">
+            <a:avLst/>
+          </a:prstGeom>
+        </p:spPr>
+      </p:pic>
+    </p:spTree>
+    <p:extLst>
+      <p:ext uri="{BB962C8B-B14F-4D97-AF65-F5344CB8AC3E}">
+        <p14:creationId xmlns:p14="http://schemas.microsoft.com/office/powerpoint/2010/main" val="4056657147"/>
+      </p:ext>
+    </p:extLst>
+  </p:cSld>
+  <p:clrMapOvr>
+    <a:masterClrMapping/>
+  </p:clrMapOvr>
+</p:sld>
+</file>
+
+<file path=ppt/slides/slide11.xml><?xml version="1.0" encoding="utf-8"?>
+<p:sld xmlns:a="http://schemas.openxmlformats.org/drawingml/2006/main" xmlns:r="http://schemas.openxmlformats.org/officeDocument/2006/relationships" xmlns:p="http://schemas.openxmlformats.org/presentationml/2006/main">
+  <p:cSld>
+    <p:spTree>
+      <p:nvGrpSpPr>
+        <p:cNvPr id="1" name=""/>
+        <p:cNvGrpSpPr/>
+        <p:nvPr/>
+      </p:nvGrpSpPr>
+      <p:grpSpPr>
+        <a:xfrm>
+          <a:off x="0" y="0"/>
+          <a:ext cx="0" cy="0"/>
+          <a:chOff x="0" y="0"/>
+          <a:chExt cx="0" cy="0"/>
+        </a:xfrm>
+      </p:grpSpPr>
+      <p:sp>
+        <p:nvSpPr>
+          <p:cNvPr id="2" name="TextBox 1">
+            <a:extLst>
+              <a:ext uri="{FF2B5EF4-FFF2-40B4-BE49-F238E27FC236}">
+                <a16:creationId xmlns:a16="http://schemas.microsoft.com/office/drawing/2014/main" id="{40DEBB10-FF7A-7C53-1AB8-531CCB7BD57E}"/>
+              </a:ext>
+            </a:extLst>
+          </p:cNvPr>
+          <p:cNvSpPr txBox="1"/>
+          <p:nvPr/>
+        </p:nvSpPr>
+        <p:spPr>
+          <a:xfrm>
+            <a:off x="1005840" y="534214"/>
+            <a:ext cx="8698087" cy="5693866"/>
+          </a:xfrm>
+          <a:prstGeom prst="rect">
+            <a:avLst/>
+          </a:prstGeom>
+          <a:noFill/>
+        </p:spPr>
+        <p:txBody>
+          <a:bodyPr wrap="none" rtlCol="0">
+            <a:spAutoFit/>
+          </a:bodyPr>
+          <a:lstStyle/>
+          <a:p>
+            <a:r>
+              <a:rPr lang="en-GB" sz="2800" b="1" dirty="0"/>
+              <a:t>Interim summary:</a:t>
+            </a:r>
+          </a:p>
+          <a:p>
+            <a:endParaRPr lang="en-GB" sz="2800" dirty="0"/>
+          </a:p>
+          <a:p>
+            <a:pPr marL="457200" indent="-457200">
+              <a:buFont typeface="Arial" panose="020B0604020202020204" pitchFamily="34" charset="0"/>
+              <a:buChar char="•"/>
+            </a:pPr>
+            <a:r>
+              <a:rPr lang="en-GB" sz="2800" dirty="0"/>
+              <a:t>Conv. net is more robust than a simple dense-layers AE.</a:t>
+            </a:r>
+          </a:p>
+          <a:p>
+            <a:pPr marL="457200" indent="-457200">
+              <a:buFont typeface="Arial" panose="020B0604020202020204" pitchFamily="34" charset="0"/>
+              <a:buChar char="•"/>
+            </a:pPr>
+            <a:r>
+              <a:rPr lang="en-GB" sz="2800" dirty="0"/>
+              <a:t>Regular (vs. random) irrelevant information:</a:t>
+            </a:r>
+          </a:p>
+          <a:p>
+            <a:pPr marL="914400" lvl="1" indent="-457200">
+              <a:buFont typeface="Arial" panose="020B0604020202020204" pitchFamily="34" charset="0"/>
+              <a:buChar char="•"/>
+            </a:pPr>
+            <a:r>
+              <a:rPr lang="en-GB" sz="2800" dirty="0"/>
+              <a:t>Requires more epochs to learn</a:t>
+            </a:r>
+          </a:p>
+          <a:p>
+            <a:pPr marL="914400" lvl="1" indent="-457200">
+              <a:buFont typeface="Arial" panose="020B0604020202020204" pitchFamily="34" charset="0"/>
+              <a:buChar char="•"/>
+            </a:pPr>
+            <a:r>
+              <a:rPr lang="en-GB" sz="2800" dirty="0"/>
+              <a:t>Reaches lower loss</a:t>
+            </a:r>
+          </a:p>
+          <a:p>
+            <a:pPr marL="914400" lvl="1" indent="-457200">
+              <a:buFont typeface="Arial" panose="020B0604020202020204" pitchFamily="34" charset="0"/>
+              <a:buChar char="•"/>
+            </a:pPr>
+            <a:endParaRPr lang="en-GB" sz="2800" dirty="0"/>
+          </a:p>
+          <a:p>
+            <a:pPr marL="914400" lvl="1" indent="-457200">
+              <a:buFont typeface="Arial" panose="020B0604020202020204" pitchFamily="34" charset="0"/>
+              <a:buChar char="•"/>
+            </a:pPr>
+            <a:endParaRPr lang="en-GB" sz="2800" dirty="0"/>
+          </a:p>
+          <a:p>
+            <a:r>
+              <a:rPr lang="en-GB" sz="2800" b="1" dirty="0"/>
+              <a:t>Things left to solve:</a:t>
+            </a:r>
+          </a:p>
+          <a:p>
+            <a:endParaRPr lang="en-GB" sz="2800" b="1" dirty="0"/>
+          </a:p>
+          <a:p>
+            <a:pPr marL="457200" indent="-457200">
+              <a:buFontTx/>
+              <a:buChar char="-"/>
+            </a:pPr>
+            <a:r>
+              <a:rPr lang="en-GB" sz="2800" dirty="0"/>
+              <a:t>Statistical testing</a:t>
+            </a:r>
+          </a:p>
+          <a:p>
+            <a:pPr marL="457200" indent="-457200">
+              <a:buFontTx/>
+              <a:buChar char="-"/>
+            </a:pPr>
+            <a:r>
+              <a:rPr lang="en-GB" sz="2800" dirty="0"/>
+              <a:t>Functional testing of accuracy</a:t>
+            </a:r>
+          </a:p>
+          <a:p>
+            <a:endParaRPr lang="en-GB" sz="2800" dirty="0"/>
+          </a:p>
+        </p:txBody>
+      </p:sp>
+      <p:sp>
+        <p:nvSpPr>
+          <p:cNvPr id="3" name="Arrow: Right 2">
+            <a:extLst>
+              <a:ext uri="{FF2B5EF4-FFF2-40B4-BE49-F238E27FC236}">
+                <a16:creationId xmlns:a16="http://schemas.microsoft.com/office/drawing/2014/main" id="{371D43DE-1839-2948-C746-C8C75B87A9AC}"/>
+              </a:ext>
+            </a:extLst>
+          </p:cNvPr>
+          <p:cNvSpPr/>
+          <p:nvPr/>
+        </p:nvSpPr>
+        <p:spPr>
+          <a:xfrm>
+            <a:off x="6583680" y="4673600"/>
+            <a:ext cx="4968240" cy="1554480"/>
+          </a:xfrm>
+          <a:prstGeom prst="rightArrow">
+            <a:avLst/>
+          </a:prstGeom>
+          <a:ln w="38100"/>
+        </p:spPr>
+        <p:style>
+          <a:lnRef idx="2">
+            <a:schemeClr val="dk1"/>
+          </a:lnRef>
+          <a:fillRef idx="1">
+            <a:schemeClr val="lt1"/>
+          </a:fillRef>
+          <a:effectRef idx="0">
+            <a:schemeClr val="dk1"/>
+          </a:effectRef>
+          <a:fontRef idx="minor">
+            <a:schemeClr val="dk1"/>
+          </a:fontRef>
+        </p:style>
+        <p:txBody>
+          <a:bodyPr rtlCol="0" anchor="ctr"/>
+          <a:lstStyle/>
+          <a:p>
+            <a:pPr algn="ctr"/>
+            <a:r>
+              <a:rPr lang="en-GB" dirty="0"/>
+              <a:t>Train 200 models, </a:t>
+            </a:r>
+          </a:p>
+          <a:p>
+            <a:pPr algn="ctr"/>
+            <a:r>
+              <a:rPr lang="en-GB" dirty="0"/>
+              <a:t>Test using digit classification</a:t>
+            </a:r>
+          </a:p>
+        </p:txBody>
+      </p:sp>
+    </p:spTree>
+    <p:extLst>
+      <p:ext uri="{BB962C8B-B14F-4D97-AF65-F5344CB8AC3E}">
+        <p14:creationId xmlns:p14="http://schemas.microsoft.com/office/powerpoint/2010/main" val="4099580755"/>
+      </p:ext>
+    </p:extLst>
+  </p:cSld>
+  <p:clrMapOvr>
+    <a:masterClrMapping/>
+  </p:clrMapOvr>
+  <p:timing>
+    <p:tnLst>
+      <p:par>
+        <p:cTn id="1" dur="indefinite" restart="never" nodeType="tmRoot">
+          <p:childTnLst>
+            <p:seq concurrent="1" nextAc="seek">
+              <p:cTn id="2" dur="indefinite" nodeType="mainSeq">
+                <p:childTnLst>
+                  <p:par>
+                    <p:cTn id="3" fill="hold">
+                      <p:stCondLst>
+                        <p:cond delay="indefinite"/>
+                      </p:stCondLst>
+                      <p:childTnLst>
+                        <p:par>
+                          <p:cTn id="4" fill="hold">
+                            <p:stCondLst>
+                              <p:cond delay="0"/>
+                            </p:stCondLst>
+                            <p:childTnLst>
+                              <p:par>
+                                <p:cTn id="5" presetID="1" presetClass="entr" presetSubtype="0" fill="hold" grpId="0" nodeType="clickEffect">
+                                  <p:stCondLst>
+                                    <p:cond delay="0"/>
+                                  </p:stCondLst>
+                                  <p:childTnLst>
+                                    <p:set>
+                                      <p:cBhvr>
+                                        <p:cTn id="6" dur="1" fill="hold">
+                                          <p:stCondLst>
+                                            <p:cond delay="0"/>
+                                          </p:stCondLst>
+                                        </p:cTn>
+                                        <p:tgtEl>
+                                          <p:spTgt spid="3"/>
+                                        </p:tgtEl>
+                                        <p:attrNameLst>
+                                          <p:attrName>style.visibility</p:attrName>
+                                        </p:attrNameLst>
+                                      </p:cBhvr>
+                                      <p:to>
+                                        <p:strVal val="visible"/>
+                                      </p:to>
+                                    </p:set>
+                                  </p:childTnLst>
+                                </p:cTn>
+                              </p:par>
+                            </p:childTnLst>
+                          </p:cTn>
+                        </p:par>
+                      </p:childTnLst>
+                    </p:cTn>
+                  </p:par>
+                </p:childTnLst>
+              </p:cTn>
+              <p:prevCondLst>
+                <p:cond evt="onPrev" delay="0">
+                  <p:tgtEl>
+                    <p:sldTgt/>
+                  </p:tgtEl>
+                </p:cond>
+              </p:prevCondLst>
+              <p:nextCondLst>
+                <p:cond evt="onNext" delay="0">
+                  <p:tgtEl>
+                    <p:sldTgt/>
+                  </p:tgtEl>
+                </p:cond>
+              </p:nextCondLst>
+            </p:seq>
+          </p:childTnLst>
+        </p:cTn>
+      </p:par>
+    </p:tnLst>
+    <p:bldLst>
+      <p:bldP spid="3" grpId="0" animBg="1"/>
+    </p:bldLst>
+  </p:timing>
+</p:sld>
+</file>
+
+<file path=ppt/slides/slide12.xml><?xml version="1.0" encoding="utf-8"?>
+<p:sld xmlns:a="http://schemas.openxmlformats.org/drawingml/2006/main" xmlns:r="http://schemas.openxmlformats.org/officeDocument/2006/relationships" xmlns:p="http://schemas.openxmlformats.org/presentationml/2006/main">
+  <p:cSld>
+    <p:spTree>
+      <p:nvGrpSpPr>
+        <p:cNvPr id="1" name=""/>
+        <p:cNvGrpSpPr/>
+        <p:nvPr/>
+      </p:nvGrpSpPr>
+      <p:grpSpPr>
+        <a:xfrm>
+          <a:off x="0" y="0"/>
+          <a:ext cx="0" cy="0"/>
+          <a:chOff x="0" y="0"/>
+          <a:chExt cx="0" cy="0"/>
+        </a:xfrm>
+      </p:grpSpPr>
+      <p:pic>
+        <p:nvPicPr>
+          <p:cNvPr id="4" name="Picture 3">
+            <a:extLst>
+              <a:ext uri="{FF2B5EF4-FFF2-40B4-BE49-F238E27FC236}">
+                <a16:creationId xmlns:a16="http://schemas.microsoft.com/office/drawing/2014/main" id="{84AD2CE1-10F6-D26B-C8D6-C2D45C64CC61}"/>
+              </a:ext>
+            </a:extLst>
+          </p:cNvPr>
+          <p:cNvPicPr>
+            <a:picLocks noChangeAspect="1"/>
+          </p:cNvPicPr>
+          <p:nvPr/>
+        </p:nvPicPr>
+        <p:blipFill rotWithShape="1">
+          <a:blip r:embed="rId2"/>
+          <a:srcRect t="33424" r="36616"/>
+          <a:stretch/>
+        </p:blipFill>
+        <p:spPr>
+          <a:xfrm>
+            <a:off x="1251847" y="2212938"/>
+            <a:ext cx="3067388" cy="3101347"/>
+          </a:xfrm>
+          <a:prstGeom prst="rect">
+            <a:avLst/>
+          </a:prstGeom>
+        </p:spPr>
+      </p:pic>
+      <p:sp>
+        <p:nvSpPr>
+          <p:cNvPr id="5" name="TextBox 4">
+            <a:extLst>
+              <a:ext uri="{FF2B5EF4-FFF2-40B4-BE49-F238E27FC236}">
+                <a16:creationId xmlns:a16="http://schemas.microsoft.com/office/drawing/2014/main" id="{90A1D3FC-F143-0800-919E-3AB54528B82E}"/>
+              </a:ext>
+            </a:extLst>
+          </p:cNvPr>
+          <p:cNvSpPr txBox="1"/>
+          <p:nvPr/>
+        </p:nvSpPr>
+        <p:spPr>
+          <a:xfrm>
+            <a:off x="1812097" y="1787130"/>
+            <a:ext cx="670376" cy="369332"/>
+          </a:xfrm>
+          <a:prstGeom prst="rect">
+            <a:avLst/>
+          </a:prstGeom>
+          <a:noFill/>
+        </p:spPr>
+        <p:txBody>
+          <a:bodyPr wrap="none" rtlCol="0">
+            <a:spAutoFit/>
+          </a:bodyPr>
+          <a:lstStyle/>
+          <a:p>
+            <a:r>
+              <a:rPr lang="en-GB" dirty="0"/>
+              <a:t>Run1</a:t>
+            </a:r>
+          </a:p>
+        </p:txBody>
+      </p:sp>
+      <p:sp>
+        <p:nvSpPr>
+          <p:cNvPr id="6" name="TextBox 5">
+            <a:extLst>
+              <a:ext uri="{FF2B5EF4-FFF2-40B4-BE49-F238E27FC236}">
+                <a16:creationId xmlns:a16="http://schemas.microsoft.com/office/drawing/2014/main" id="{3C72C7F6-69CE-F034-8494-CB1C738A95BF}"/>
+              </a:ext>
+            </a:extLst>
+          </p:cNvPr>
+          <p:cNvSpPr txBox="1"/>
+          <p:nvPr/>
+        </p:nvSpPr>
+        <p:spPr>
+          <a:xfrm>
+            <a:off x="3441224" y="1787130"/>
+            <a:ext cx="670376" cy="369332"/>
+          </a:xfrm>
+          <a:prstGeom prst="rect">
+            <a:avLst/>
+          </a:prstGeom>
+          <a:noFill/>
+        </p:spPr>
+        <p:txBody>
+          <a:bodyPr wrap="none" rtlCol="0">
+            <a:spAutoFit/>
+          </a:bodyPr>
+          <a:lstStyle/>
+          <a:p>
+            <a:r>
+              <a:rPr lang="en-GB" dirty="0"/>
+              <a:t>Run2</a:t>
+            </a:r>
+          </a:p>
+        </p:txBody>
+      </p:sp>
+      <p:pic>
+        <p:nvPicPr>
+          <p:cNvPr id="7" name="Picture 6">
+            <a:extLst>
+              <a:ext uri="{FF2B5EF4-FFF2-40B4-BE49-F238E27FC236}">
+                <a16:creationId xmlns:a16="http://schemas.microsoft.com/office/drawing/2014/main" id="{789310C1-E9B2-1866-C02E-F543C6409E4C}"/>
+              </a:ext>
+            </a:extLst>
+          </p:cNvPr>
+          <p:cNvPicPr>
+            <a:picLocks noChangeAspect="1"/>
+          </p:cNvPicPr>
+          <p:nvPr/>
+        </p:nvPicPr>
+        <p:blipFill rotWithShape="1">
+          <a:blip r:embed="rId2"/>
+          <a:srcRect l="64014" t="33424"/>
+          <a:stretch/>
+        </p:blipFill>
+        <p:spPr>
+          <a:xfrm>
+            <a:off x="4964551" y="2212937"/>
+            <a:ext cx="1741507" cy="3101347"/>
+          </a:xfrm>
+          <a:prstGeom prst="rect">
+            <a:avLst/>
+          </a:prstGeom>
+        </p:spPr>
+      </p:pic>
+      <p:sp>
+        <p:nvSpPr>
+          <p:cNvPr id="8" name="TextBox 7">
+            <a:extLst>
+              <a:ext uri="{FF2B5EF4-FFF2-40B4-BE49-F238E27FC236}">
+                <a16:creationId xmlns:a16="http://schemas.microsoft.com/office/drawing/2014/main" id="{23B58B9A-F81E-381C-3888-23DE7F2A4AE1}"/>
+              </a:ext>
+            </a:extLst>
+          </p:cNvPr>
+          <p:cNvSpPr txBox="1"/>
+          <p:nvPr/>
+        </p:nvSpPr>
+        <p:spPr>
+          <a:xfrm>
+            <a:off x="4466136" y="2692710"/>
+            <a:ext cx="468398" cy="584775"/>
+          </a:xfrm>
+          <a:prstGeom prst="rect">
+            <a:avLst/>
+          </a:prstGeom>
+          <a:noFill/>
+        </p:spPr>
+        <p:txBody>
+          <a:bodyPr wrap="none" rtlCol="0">
+            <a:spAutoFit/>
+          </a:bodyPr>
+          <a:lstStyle/>
+          <a:p>
+            <a:r>
+              <a:rPr lang="en-GB" sz="3200" dirty="0"/>
+              <a:t>…</a:t>
+            </a:r>
+          </a:p>
+        </p:txBody>
+      </p:sp>
+      <p:sp>
+        <p:nvSpPr>
+          <p:cNvPr id="9" name="TextBox 8">
+            <a:extLst>
+              <a:ext uri="{FF2B5EF4-FFF2-40B4-BE49-F238E27FC236}">
+                <a16:creationId xmlns:a16="http://schemas.microsoft.com/office/drawing/2014/main" id="{CDA52480-855D-3FD1-4F5E-119FD10C9D28}"/>
+              </a:ext>
+            </a:extLst>
+          </p:cNvPr>
+          <p:cNvSpPr txBox="1"/>
+          <p:nvPr/>
+        </p:nvSpPr>
+        <p:spPr>
+          <a:xfrm>
+            <a:off x="5494852" y="1787130"/>
+            <a:ext cx="904415" cy="369332"/>
+          </a:xfrm>
+          <a:prstGeom prst="rect">
+            <a:avLst/>
+          </a:prstGeom>
+          <a:noFill/>
+        </p:spPr>
+        <p:txBody>
+          <a:bodyPr wrap="none" rtlCol="0">
+            <a:spAutoFit/>
+          </a:bodyPr>
+          <a:lstStyle/>
+          <a:p>
+            <a:r>
+              <a:rPr lang="en-GB" dirty="0"/>
+              <a:t>Run200</a:t>
+            </a:r>
+          </a:p>
+        </p:txBody>
+      </p:sp>
+      <p:sp>
+        <p:nvSpPr>
+          <p:cNvPr id="11" name="TextBox 10">
+            <a:extLst>
+              <a:ext uri="{FF2B5EF4-FFF2-40B4-BE49-F238E27FC236}">
+                <a16:creationId xmlns:a16="http://schemas.microsoft.com/office/drawing/2014/main" id="{F9A5CA6C-F932-A625-1535-FF26779D153D}"/>
+              </a:ext>
+            </a:extLst>
+          </p:cNvPr>
+          <p:cNvSpPr txBox="1"/>
+          <p:nvPr/>
+        </p:nvSpPr>
+        <p:spPr>
+          <a:xfrm>
+            <a:off x="436880" y="518160"/>
+            <a:ext cx="5663666" cy="369332"/>
+          </a:xfrm>
+          <a:prstGeom prst="rect">
+            <a:avLst/>
+          </a:prstGeom>
+          <a:noFill/>
+        </p:spPr>
+        <p:txBody>
+          <a:bodyPr wrap="none" rtlCol="0">
+            <a:spAutoFit/>
+          </a:bodyPr>
+          <a:lstStyle/>
+          <a:p>
+            <a:r>
+              <a:rPr lang="en-GB" dirty="0"/>
+              <a:t>Quantifying the effect of patterns in irrelevant information</a:t>
+            </a:r>
+          </a:p>
+        </p:txBody>
+      </p:sp>
+      <p:sp>
+        <p:nvSpPr>
+          <p:cNvPr id="12" name="Rectangle 11">
+            <a:extLst>
+              <a:ext uri="{FF2B5EF4-FFF2-40B4-BE49-F238E27FC236}">
+                <a16:creationId xmlns:a16="http://schemas.microsoft.com/office/drawing/2014/main" id="{ADD7E37B-B594-3A82-DB14-682F4B19E5C2}"/>
+              </a:ext>
+            </a:extLst>
+          </p:cNvPr>
+          <p:cNvSpPr/>
+          <p:nvPr/>
+        </p:nvSpPr>
+        <p:spPr>
+          <a:xfrm>
+            <a:off x="93011" y="3552235"/>
+            <a:ext cx="6306256" cy="1289314"/>
+          </a:xfrm>
+          <a:prstGeom prst="rect">
+            <a:avLst/>
+          </a:prstGeom>
+          <a:noFill/>
+        </p:spPr>
+        <p:style>
+          <a:lnRef idx="2">
+            <a:schemeClr val="accent1">
+              <a:shade val="50000"/>
+            </a:schemeClr>
+          </a:lnRef>
+          <a:fillRef idx="1">
+            <a:schemeClr val="accent1"/>
+          </a:fillRef>
+          <a:effectRef idx="0">
+            <a:schemeClr val="accent1"/>
+          </a:effectRef>
+          <a:fontRef idx="minor">
+            <a:schemeClr val="lt1"/>
+          </a:fontRef>
+        </p:style>
+        <p:txBody>
+          <a:bodyPr rtlCol="0" anchor="ctr"/>
+          <a:lstStyle/>
+          <a:p>
+            <a:pPr algn="ctr"/>
+            <a:endParaRPr lang="en-GB" dirty="0"/>
+          </a:p>
+        </p:txBody>
+      </p:sp>
+      <p:sp>
+        <p:nvSpPr>
+          <p:cNvPr id="13" name="Arrow: Right 12">
+            <a:extLst>
+              <a:ext uri="{FF2B5EF4-FFF2-40B4-BE49-F238E27FC236}">
+                <a16:creationId xmlns:a16="http://schemas.microsoft.com/office/drawing/2014/main" id="{D1DCFA59-AD0C-F472-4C28-0DF3B1F08E66}"/>
+              </a:ext>
+            </a:extLst>
+          </p:cNvPr>
+          <p:cNvSpPr/>
+          <p:nvPr/>
+        </p:nvSpPr>
+        <p:spPr>
+          <a:xfrm>
+            <a:off x="8204800" y="3474339"/>
+            <a:ext cx="324000" cy="289891"/>
+          </a:xfrm>
+          <a:prstGeom prst="rightArrow">
+            <a:avLst/>
+          </a:prstGeom>
+        </p:spPr>
+        <p:style>
+          <a:lnRef idx="2">
+            <a:schemeClr val="dk1">
+              <a:shade val="50000"/>
+            </a:schemeClr>
+          </a:lnRef>
+          <a:fillRef idx="1">
+            <a:schemeClr val="dk1"/>
+          </a:fillRef>
+          <a:effectRef idx="0">
+            <a:schemeClr val="dk1"/>
+          </a:effectRef>
+          <a:fontRef idx="minor">
+            <a:schemeClr val="lt1"/>
+          </a:fontRef>
+        </p:style>
+        <p:txBody>
+          <a:bodyPr rtlCol="0" anchor="ctr"/>
+          <a:lstStyle/>
+          <a:p>
+            <a:pPr algn="ctr"/>
+            <a:endParaRPr lang="en-GB"/>
+          </a:p>
+        </p:txBody>
+      </p:sp>
+      <p:sp>
+        <p:nvSpPr>
+          <p:cNvPr id="14" name="TextBox 13">
+            <a:extLst>
+              <a:ext uri="{FF2B5EF4-FFF2-40B4-BE49-F238E27FC236}">
+                <a16:creationId xmlns:a16="http://schemas.microsoft.com/office/drawing/2014/main" id="{E1F19ABF-EC0B-C38B-228A-7D7A6AEFB20C}"/>
+              </a:ext>
+            </a:extLst>
+          </p:cNvPr>
+          <p:cNvSpPr txBox="1"/>
+          <p:nvPr/>
+        </p:nvSpPr>
+        <p:spPr>
+          <a:xfrm>
+            <a:off x="8587444" y="3096331"/>
+            <a:ext cx="1579033" cy="1200329"/>
+          </a:xfrm>
+          <a:prstGeom prst="rect">
+            <a:avLst/>
+          </a:prstGeom>
+          <a:solidFill>
+            <a:schemeClr val="bg1">
+              <a:lumMod val="95000"/>
+            </a:schemeClr>
+          </a:solidFill>
+          <a:ln>
+            <a:solidFill>
+              <a:schemeClr val="bg1">
+                <a:lumMod val="75000"/>
+              </a:schemeClr>
+            </a:solidFill>
+          </a:ln>
+        </p:spPr>
+        <p:txBody>
+          <a:bodyPr wrap="square" rtlCol="0">
+            <a:spAutoFit/>
+          </a:bodyPr>
+          <a:lstStyle/>
+          <a:p>
+            <a:pPr algn="ctr"/>
+            <a:r>
+              <a:rPr lang="en-GB" dirty="0"/>
+              <a:t>MNIST </a:t>
+            </a:r>
+          </a:p>
+          <a:p>
+            <a:pPr algn="ctr"/>
+            <a:r>
+              <a:rPr lang="en-GB" dirty="0"/>
+              <a:t>Digit</a:t>
+            </a:r>
+          </a:p>
+          <a:p>
+            <a:pPr algn="ctr"/>
+            <a:r>
+              <a:rPr lang="en-GB" dirty="0"/>
+              <a:t>Classification </a:t>
+            </a:r>
+          </a:p>
+          <a:p>
+            <a:pPr algn="ctr"/>
+            <a:r>
+              <a:rPr lang="en-GB" dirty="0"/>
+              <a:t>Model</a:t>
+            </a:r>
+          </a:p>
+        </p:txBody>
+      </p:sp>
+      <p:sp>
+        <p:nvSpPr>
+          <p:cNvPr id="15" name="Arrow: Right 14">
+            <a:extLst>
+              <a:ext uri="{FF2B5EF4-FFF2-40B4-BE49-F238E27FC236}">
+                <a16:creationId xmlns:a16="http://schemas.microsoft.com/office/drawing/2014/main" id="{F1C1600A-7748-E223-97B4-BD736C3C03C6}"/>
+              </a:ext>
+            </a:extLst>
+          </p:cNvPr>
+          <p:cNvSpPr/>
+          <p:nvPr/>
+        </p:nvSpPr>
+        <p:spPr>
+          <a:xfrm>
+            <a:off x="10236211" y="3474340"/>
+            <a:ext cx="324000" cy="289891"/>
+          </a:xfrm>
+          <a:prstGeom prst="rightArrow">
+            <a:avLst/>
+          </a:prstGeom>
+        </p:spPr>
+        <p:style>
+          <a:lnRef idx="2">
+            <a:schemeClr val="dk1">
+              <a:shade val="50000"/>
+            </a:schemeClr>
+          </a:lnRef>
+          <a:fillRef idx="1">
+            <a:schemeClr val="dk1"/>
+          </a:fillRef>
+          <a:effectRef idx="0">
+            <a:schemeClr val="dk1"/>
+          </a:effectRef>
+          <a:fontRef idx="minor">
+            <a:schemeClr val="lt1"/>
+          </a:fontRef>
+        </p:style>
+        <p:txBody>
+          <a:bodyPr rtlCol="0" anchor="ctr"/>
+          <a:lstStyle/>
+          <a:p>
+            <a:pPr algn="ctr"/>
+            <a:endParaRPr lang="en-GB"/>
+          </a:p>
+        </p:txBody>
+      </p:sp>
+      <p:sp>
+        <p:nvSpPr>
+          <p:cNvPr id="16" name="TextBox 15">
+            <a:extLst>
+              <a:ext uri="{FF2B5EF4-FFF2-40B4-BE49-F238E27FC236}">
+                <a16:creationId xmlns:a16="http://schemas.microsoft.com/office/drawing/2014/main" id="{0CB19199-F14B-7429-82D4-3087CD3403C5}"/>
+              </a:ext>
+            </a:extLst>
+          </p:cNvPr>
+          <p:cNvSpPr txBox="1"/>
+          <p:nvPr/>
+        </p:nvSpPr>
+        <p:spPr>
+          <a:xfrm>
+            <a:off x="10668161" y="3206084"/>
+            <a:ext cx="1435888" cy="830997"/>
+          </a:xfrm>
+          <a:prstGeom prst="rect">
+            <a:avLst/>
+          </a:prstGeom>
+          <a:solidFill>
+            <a:schemeClr val="bg1"/>
+          </a:solidFill>
+          <a:ln>
+            <a:solidFill>
+              <a:schemeClr val="bg1">
+                <a:lumMod val="75000"/>
+              </a:schemeClr>
+            </a:solidFill>
+          </a:ln>
+        </p:spPr>
+        <p:txBody>
+          <a:bodyPr wrap="square" rtlCol="0">
+            <a:spAutoFit/>
+          </a:bodyPr>
+          <a:lstStyle/>
+          <a:p>
+            <a:pPr algn="ctr"/>
+            <a:r>
+              <a:rPr lang="en-GB" sz="2400" dirty="0"/>
+              <a:t>Denoising</a:t>
+            </a:r>
+          </a:p>
+          <a:p>
+            <a:pPr algn="ctr"/>
+            <a:r>
+              <a:rPr lang="en-GB" sz="2400" dirty="0"/>
+              <a:t>accuracy</a:t>
+            </a:r>
+          </a:p>
+        </p:txBody>
+      </p:sp>
+      <p:sp>
+        <p:nvSpPr>
+          <p:cNvPr id="18" name="TextBox 17">
+            <a:extLst>
+              <a:ext uri="{FF2B5EF4-FFF2-40B4-BE49-F238E27FC236}">
+                <a16:creationId xmlns:a16="http://schemas.microsoft.com/office/drawing/2014/main" id="{671E4D7F-D9A1-AC51-9E4A-EAEEC761FD8A}"/>
+              </a:ext>
+            </a:extLst>
+          </p:cNvPr>
+          <p:cNvSpPr txBox="1"/>
+          <p:nvPr/>
+        </p:nvSpPr>
+        <p:spPr>
+          <a:xfrm>
+            <a:off x="40052" y="2516955"/>
+            <a:ext cx="1180323" cy="646331"/>
+          </a:xfrm>
+          <a:prstGeom prst="rect">
+            <a:avLst/>
+          </a:prstGeom>
+          <a:noFill/>
+        </p:spPr>
+        <p:txBody>
+          <a:bodyPr wrap="none" rtlCol="0">
+            <a:spAutoFit/>
+          </a:bodyPr>
+          <a:lstStyle/>
+          <a:p>
+            <a:pPr algn="ctr"/>
+            <a:r>
+              <a:rPr lang="en-GB" dirty="0"/>
+              <a:t>Structured</a:t>
+            </a:r>
+          </a:p>
+          <a:p>
+            <a:pPr algn="ctr"/>
+            <a:r>
+              <a:rPr lang="en-GB" dirty="0"/>
+              <a:t>‘noise’</a:t>
+            </a:r>
+          </a:p>
+        </p:txBody>
+      </p:sp>
+      <p:sp>
+        <p:nvSpPr>
+          <p:cNvPr id="19" name="TextBox 18">
+            <a:extLst>
+              <a:ext uri="{FF2B5EF4-FFF2-40B4-BE49-F238E27FC236}">
+                <a16:creationId xmlns:a16="http://schemas.microsoft.com/office/drawing/2014/main" id="{0FC4C626-1B5D-25E8-5759-527E4AD76F93}"/>
+              </a:ext>
+            </a:extLst>
+          </p:cNvPr>
+          <p:cNvSpPr txBox="1"/>
+          <p:nvPr/>
+        </p:nvSpPr>
+        <p:spPr>
+          <a:xfrm>
+            <a:off x="176617" y="3763610"/>
+            <a:ext cx="970137" cy="646331"/>
+          </a:xfrm>
+          <a:prstGeom prst="rect">
+            <a:avLst/>
+          </a:prstGeom>
+          <a:noFill/>
+        </p:spPr>
+        <p:txBody>
+          <a:bodyPr wrap="none" rtlCol="0">
+            <a:spAutoFit/>
+          </a:bodyPr>
+          <a:lstStyle/>
+          <a:p>
+            <a:pPr algn="ctr"/>
+            <a:r>
+              <a:rPr lang="en-GB" dirty="0"/>
+              <a:t>Random</a:t>
+            </a:r>
+          </a:p>
+          <a:p>
+            <a:pPr algn="ctr"/>
+            <a:r>
+              <a:rPr lang="en-GB" dirty="0"/>
+              <a:t>noise</a:t>
+            </a:r>
+          </a:p>
+        </p:txBody>
+      </p:sp>
+      <p:sp>
+        <p:nvSpPr>
+          <p:cNvPr id="20" name="Rectangle 19">
+            <a:extLst>
+              <a:ext uri="{FF2B5EF4-FFF2-40B4-BE49-F238E27FC236}">
+                <a16:creationId xmlns:a16="http://schemas.microsoft.com/office/drawing/2014/main" id="{F796C08C-7ADE-8C66-9002-3F96E311EA7F}"/>
+              </a:ext>
+            </a:extLst>
+          </p:cNvPr>
+          <p:cNvSpPr/>
+          <p:nvPr/>
+        </p:nvSpPr>
+        <p:spPr>
+          <a:xfrm>
+            <a:off x="93011" y="2241218"/>
+            <a:ext cx="6306256" cy="1311017"/>
+          </a:xfrm>
+          <a:prstGeom prst="rect">
+            <a:avLst/>
+          </a:prstGeom>
+          <a:noFill/>
+        </p:spPr>
+        <p:style>
+          <a:lnRef idx="2">
+            <a:schemeClr val="accent1">
+              <a:shade val="50000"/>
+            </a:schemeClr>
+          </a:lnRef>
+          <a:fillRef idx="1">
+            <a:schemeClr val="accent1"/>
+          </a:fillRef>
+          <a:effectRef idx="0">
+            <a:schemeClr val="accent1"/>
+          </a:effectRef>
+          <a:fontRef idx="minor">
+            <a:schemeClr val="lt1"/>
+          </a:fontRef>
+        </p:style>
+        <p:txBody>
+          <a:bodyPr rtlCol="0" anchor="ctr"/>
+          <a:lstStyle/>
+          <a:p>
+            <a:pPr algn="ctr"/>
+            <a:endParaRPr lang="en-GB" dirty="0"/>
+          </a:p>
+        </p:txBody>
+      </p:sp>
+      <p:sp>
+        <p:nvSpPr>
+          <p:cNvPr id="21" name="Arrow: Right 20">
+            <a:extLst>
+              <a:ext uri="{FF2B5EF4-FFF2-40B4-BE49-F238E27FC236}">
+                <a16:creationId xmlns:a16="http://schemas.microsoft.com/office/drawing/2014/main" id="{FEB2FC35-44F1-DD26-0049-B61A6AA82915}"/>
+              </a:ext>
+            </a:extLst>
+          </p:cNvPr>
+          <p:cNvSpPr/>
+          <p:nvPr/>
+        </p:nvSpPr>
+        <p:spPr>
+          <a:xfrm>
+            <a:off x="6397925" y="2723923"/>
+            <a:ext cx="324000" cy="289891"/>
+          </a:xfrm>
+          <a:prstGeom prst="rightArrow">
+            <a:avLst/>
+          </a:prstGeom>
+        </p:spPr>
+        <p:style>
+          <a:lnRef idx="2">
+            <a:schemeClr val="dk1">
+              <a:shade val="50000"/>
+            </a:schemeClr>
+          </a:lnRef>
+          <a:fillRef idx="1">
+            <a:schemeClr val="dk1"/>
+          </a:fillRef>
+          <a:effectRef idx="0">
+            <a:schemeClr val="dk1"/>
+          </a:effectRef>
+          <a:fontRef idx="minor">
+            <a:schemeClr val="lt1"/>
+          </a:fontRef>
+        </p:style>
+        <p:txBody>
+          <a:bodyPr rtlCol="0" anchor="ctr"/>
+          <a:lstStyle/>
+          <a:p>
+            <a:pPr algn="ctr"/>
+            <a:endParaRPr lang="en-GB"/>
+          </a:p>
+        </p:txBody>
+      </p:sp>
+      <p:sp>
+        <p:nvSpPr>
+          <p:cNvPr id="22" name="Arrow: Right 21">
+            <a:extLst>
+              <a:ext uri="{FF2B5EF4-FFF2-40B4-BE49-F238E27FC236}">
+                <a16:creationId xmlns:a16="http://schemas.microsoft.com/office/drawing/2014/main" id="{B28172BD-B832-3814-81CD-9F303309A9A1}"/>
+              </a:ext>
+            </a:extLst>
+          </p:cNvPr>
+          <p:cNvSpPr/>
+          <p:nvPr/>
+        </p:nvSpPr>
+        <p:spPr>
+          <a:xfrm>
+            <a:off x="6397925" y="4155255"/>
+            <a:ext cx="324000" cy="289891"/>
+          </a:xfrm>
+          <a:prstGeom prst="rightArrow">
+            <a:avLst/>
+          </a:prstGeom>
+        </p:spPr>
+        <p:style>
+          <a:lnRef idx="2">
+            <a:schemeClr val="dk1">
+              <a:shade val="50000"/>
+            </a:schemeClr>
+          </a:lnRef>
+          <a:fillRef idx="1">
+            <a:schemeClr val="dk1"/>
+          </a:fillRef>
+          <a:effectRef idx="0">
+            <a:schemeClr val="dk1"/>
+          </a:effectRef>
+          <a:fontRef idx="minor">
+            <a:schemeClr val="lt1"/>
+          </a:fontRef>
+        </p:style>
+        <p:txBody>
+          <a:bodyPr rtlCol="0" anchor="ctr"/>
+          <a:lstStyle/>
+          <a:p>
+            <a:pPr algn="ctr"/>
+            <a:endParaRPr lang="en-GB"/>
+          </a:p>
+        </p:txBody>
+      </p:sp>
+      <p:sp>
+        <p:nvSpPr>
+          <p:cNvPr id="23" name="TextBox 22">
+            <a:extLst>
+              <a:ext uri="{FF2B5EF4-FFF2-40B4-BE49-F238E27FC236}">
+                <a16:creationId xmlns:a16="http://schemas.microsoft.com/office/drawing/2014/main" id="{CF98F7A2-C931-28B6-790C-A12B97992C92}"/>
+              </a:ext>
+            </a:extLst>
+          </p:cNvPr>
+          <p:cNvSpPr txBox="1"/>
+          <p:nvPr/>
+        </p:nvSpPr>
+        <p:spPr>
+          <a:xfrm>
+            <a:off x="6804345" y="2899395"/>
+            <a:ext cx="1360399" cy="1384995"/>
+          </a:xfrm>
+          <a:prstGeom prst="rect">
+            <a:avLst/>
+          </a:prstGeom>
+          <a:noFill/>
+          <a:ln>
+            <a:solidFill>
+              <a:schemeClr val="bg1">
+                <a:lumMod val="75000"/>
+              </a:schemeClr>
+            </a:solidFill>
+          </a:ln>
+        </p:spPr>
+        <p:txBody>
+          <a:bodyPr wrap="square" rtlCol="0">
+            <a:spAutoFit/>
+          </a:bodyPr>
+          <a:lstStyle/>
+          <a:p>
+            <a:pPr algn="ctr"/>
+            <a:endParaRPr lang="en-GB" sz="1400" dirty="0"/>
+          </a:p>
+          <a:p>
+            <a:pPr algn="ctr"/>
+            <a:endParaRPr lang="en-GB" sz="1400" dirty="0"/>
+          </a:p>
+          <a:p>
+            <a:pPr algn="ctr"/>
+            <a:r>
+              <a:rPr lang="en-GB" sz="1400" dirty="0"/>
+              <a:t>Reconstructed images</a:t>
+            </a:r>
+          </a:p>
+          <a:p>
+            <a:pPr algn="ctr"/>
+            <a:endParaRPr lang="en-GB" sz="1400" dirty="0"/>
+          </a:p>
+          <a:p>
+            <a:pPr algn="ctr"/>
+            <a:endParaRPr lang="en-GB" sz="1400" dirty="0"/>
+          </a:p>
+        </p:txBody>
+      </p:sp>
+    </p:spTree>
+    <p:extLst>
+      <p:ext uri="{BB962C8B-B14F-4D97-AF65-F5344CB8AC3E}">
+        <p14:creationId xmlns:p14="http://schemas.microsoft.com/office/powerpoint/2010/main" val="835196769"/>
+      </p:ext>
+    </p:extLst>
+  </p:cSld>
+  <p:clrMapOvr>
+    <a:masterClrMapping/>
+  </p:clrMapOvr>
+</p:sld>
+</file>
+
+<file path=ppt/slides/slide13.xml><?xml version="1.0" encoding="utf-8"?>
+<p:sld xmlns:a="http://schemas.openxmlformats.org/drawingml/2006/main" xmlns:r="http://schemas.openxmlformats.org/officeDocument/2006/relationships" xmlns:p="http://schemas.openxmlformats.org/presentationml/2006/main">
+  <p:cSld>
+    <p:spTree>
+      <p:nvGrpSpPr>
+        <p:cNvPr id="1" name=""/>
+        <p:cNvGrpSpPr/>
+        <p:nvPr/>
+      </p:nvGrpSpPr>
+      <p:grpSpPr>
+        <a:xfrm>
+          <a:off x="0" y="0"/>
+          <a:ext cx="0" cy="0"/>
+          <a:chOff x="0" y="0"/>
+          <a:chExt cx="0" cy="0"/>
+        </a:xfrm>
+      </p:grpSpPr>
+      <p:pic>
+        <p:nvPicPr>
+          <p:cNvPr id="3" name="Picture 2">
+            <a:extLst>
+              <a:ext uri="{FF2B5EF4-FFF2-40B4-BE49-F238E27FC236}">
+                <a16:creationId xmlns:a16="http://schemas.microsoft.com/office/drawing/2014/main" id="{4B1171F7-3F9B-97E1-1317-CE20D61AC7E8}"/>
+              </a:ext>
+            </a:extLst>
+          </p:cNvPr>
+          <p:cNvPicPr>
+            <a:picLocks noChangeAspect="1"/>
+          </p:cNvPicPr>
+          <p:nvPr/>
+        </p:nvPicPr>
+        <p:blipFill>
+          <a:blip r:embed="rId2"/>
+          <a:stretch>
+            <a:fillRect/>
+          </a:stretch>
+        </p:blipFill>
+        <p:spPr>
+          <a:xfrm>
+            <a:off x="206950" y="1406746"/>
+            <a:ext cx="4450305" cy="3316083"/>
+          </a:xfrm>
+          <a:prstGeom prst="rect">
+            <a:avLst/>
+          </a:prstGeom>
+        </p:spPr>
+      </p:pic>
+      <p:pic>
+        <p:nvPicPr>
+          <p:cNvPr id="5" name="Picture 4">
+            <a:extLst>
+              <a:ext uri="{FF2B5EF4-FFF2-40B4-BE49-F238E27FC236}">
+                <a16:creationId xmlns:a16="http://schemas.microsoft.com/office/drawing/2014/main" id="{F7BE4D6A-6CBD-B14F-BCA7-937EA60A2AE7}"/>
+              </a:ext>
+            </a:extLst>
+          </p:cNvPr>
+          <p:cNvPicPr>
+            <a:picLocks noChangeAspect="1"/>
+          </p:cNvPicPr>
+          <p:nvPr/>
+        </p:nvPicPr>
+        <p:blipFill>
+          <a:blip r:embed="rId3"/>
+          <a:stretch>
+            <a:fillRect/>
+          </a:stretch>
+        </p:blipFill>
+        <p:spPr>
+          <a:xfrm>
+            <a:off x="5967509" y="1022208"/>
+            <a:ext cx="5649113" cy="4363059"/>
+          </a:xfrm>
+          <a:prstGeom prst="rect">
+            <a:avLst/>
+          </a:prstGeom>
+        </p:spPr>
+      </p:pic>
+      <p:sp>
+        <p:nvSpPr>
+          <p:cNvPr id="6" name="TextBox 5">
+            <a:extLst>
+              <a:ext uri="{FF2B5EF4-FFF2-40B4-BE49-F238E27FC236}">
+                <a16:creationId xmlns:a16="http://schemas.microsoft.com/office/drawing/2014/main" id="{9047E826-146B-7071-B382-03A2E6D80D5E}"/>
+              </a:ext>
+            </a:extLst>
+          </p:cNvPr>
+          <p:cNvSpPr txBox="1"/>
+          <p:nvPr/>
+        </p:nvSpPr>
+        <p:spPr>
+          <a:xfrm>
+            <a:off x="1451728" y="358219"/>
+            <a:ext cx="2371547" cy="584775"/>
+          </a:xfrm>
+          <a:prstGeom prst="rect">
+            <a:avLst/>
+          </a:prstGeom>
+          <a:noFill/>
+        </p:spPr>
+        <p:txBody>
+          <a:bodyPr wrap="none" rtlCol="0">
+            <a:spAutoFit/>
+          </a:bodyPr>
+          <a:lstStyle/>
+          <a:p>
+            <a:r>
+              <a:rPr lang="en-US" sz="3200" b="1" dirty="0"/>
+              <a:t>Results</a:t>
+            </a:r>
+            <a:r>
+              <a:rPr lang="en-GB" b="1"/>
+              <a:t> </a:t>
+            </a:r>
+            <a:r>
+              <a:rPr lang="en-GB" b="1" dirty="0"/>
+              <a:t>(p&lt;0.001)</a:t>
+            </a:r>
+          </a:p>
+        </p:txBody>
+      </p:sp>
+    </p:spTree>
+    <p:extLst>
+      <p:ext uri="{BB962C8B-B14F-4D97-AF65-F5344CB8AC3E}">
+        <p14:creationId xmlns:p14="http://schemas.microsoft.com/office/powerpoint/2010/main" val="2792601478"/>
+      </p:ext>
+    </p:extLst>
+  </p:cSld>
+  <p:clrMapOvr>
+    <a:masterClrMapping/>
+  </p:clrMapOvr>
+</p:sld>
+</file>
+
+<file path=ppt/slides/slide14.xml><?xml version="1.0" encoding="utf-8"?>
+<p:sld xmlns:a="http://schemas.openxmlformats.org/drawingml/2006/main" xmlns:r="http://schemas.openxmlformats.org/officeDocument/2006/relationships" xmlns:p="http://schemas.openxmlformats.org/presentationml/2006/main">
+  <p:cSld>
+    <p:spTree>
+      <p:nvGrpSpPr>
+        <p:cNvPr id="1" name=""/>
+        <p:cNvGrpSpPr/>
+        <p:nvPr/>
+      </p:nvGrpSpPr>
+      <p:grpSpPr>
+        <a:xfrm>
+          <a:off x="0" y="0"/>
+          <a:ext cx="0" cy="0"/>
+          <a:chOff x="0" y="0"/>
+          <a:chExt cx="0" cy="0"/>
+        </a:xfrm>
+      </p:grpSpPr>
+      <p:pic>
+        <p:nvPicPr>
+          <p:cNvPr id="3" name="Picture 2">
+            <a:extLst>
+              <a:ext uri="{FF2B5EF4-FFF2-40B4-BE49-F238E27FC236}">
+                <a16:creationId xmlns:a16="http://schemas.microsoft.com/office/drawing/2014/main" id="{8C28C374-8253-10A8-8896-8BADDB319964}"/>
+              </a:ext>
+            </a:extLst>
+          </p:cNvPr>
+          <p:cNvPicPr>
+            <a:picLocks noChangeAspect="1"/>
+          </p:cNvPicPr>
+          <p:nvPr/>
+        </p:nvPicPr>
+        <p:blipFill>
+          <a:blip r:embed="rId2"/>
+          <a:stretch>
+            <a:fillRect/>
+          </a:stretch>
+        </p:blipFill>
+        <p:spPr>
+          <a:xfrm>
+            <a:off x="1519601" y="1791731"/>
+            <a:ext cx="8101276" cy="1815131"/>
+          </a:xfrm>
+          <a:prstGeom prst="rect">
+            <a:avLst/>
+          </a:prstGeom>
+          <a:ln>
+            <a:solidFill>
+              <a:schemeClr val="bg1">
+                <a:lumMod val="75000"/>
+              </a:schemeClr>
+            </a:solidFill>
+          </a:ln>
+        </p:spPr>
+      </p:pic>
+      <p:sp>
+        <p:nvSpPr>
+          <p:cNvPr id="4" name="TextBox 3">
+            <a:extLst>
+              <a:ext uri="{FF2B5EF4-FFF2-40B4-BE49-F238E27FC236}">
+                <a16:creationId xmlns:a16="http://schemas.microsoft.com/office/drawing/2014/main" id="{3BD67761-68C9-08C5-D8FC-A5F68FC2ECFB}"/>
+              </a:ext>
+            </a:extLst>
+          </p:cNvPr>
+          <p:cNvSpPr txBox="1"/>
+          <p:nvPr/>
+        </p:nvSpPr>
+        <p:spPr>
+          <a:xfrm>
+            <a:off x="1202563" y="1422399"/>
+            <a:ext cx="3189912" cy="369332"/>
+          </a:xfrm>
+          <a:prstGeom prst="rect">
+            <a:avLst/>
+          </a:prstGeom>
+          <a:noFill/>
+        </p:spPr>
+        <p:txBody>
+          <a:bodyPr wrap="none" rtlCol="0">
+            <a:spAutoFit/>
+          </a:bodyPr>
+          <a:lstStyle/>
+          <a:p>
+            <a:r>
+              <a:rPr lang="en-GB" dirty="0"/>
+              <a:t>Train on regular, test on random</a:t>
+            </a:r>
+          </a:p>
+        </p:txBody>
+      </p:sp>
+      <p:pic>
+        <p:nvPicPr>
+          <p:cNvPr id="6" name="Picture 5">
+            <a:extLst>
+              <a:ext uri="{FF2B5EF4-FFF2-40B4-BE49-F238E27FC236}">
+                <a16:creationId xmlns:a16="http://schemas.microsoft.com/office/drawing/2014/main" id="{23143EEF-D29E-6845-7B6A-3858106DAD79}"/>
+              </a:ext>
+            </a:extLst>
+          </p:cNvPr>
+          <p:cNvPicPr>
+            <a:picLocks noChangeAspect="1"/>
+          </p:cNvPicPr>
+          <p:nvPr/>
+        </p:nvPicPr>
+        <p:blipFill>
+          <a:blip r:embed="rId3"/>
+          <a:stretch>
+            <a:fillRect/>
+          </a:stretch>
+        </p:blipFill>
+        <p:spPr>
+          <a:xfrm>
+            <a:off x="1519601" y="4420503"/>
+            <a:ext cx="8103357" cy="1821728"/>
+          </a:xfrm>
+          <a:prstGeom prst="rect">
+            <a:avLst/>
+          </a:prstGeom>
+          <a:ln>
+            <a:solidFill>
+              <a:schemeClr val="bg1">
+                <a:lumMod val="75000"/>
+              </a:schemeClr>
+            </a:solidFill>
+          </a:ln>
+        </p:spPr>
+      </p:pic>
+      <p:sp>
+        <p:nvSpPr>
+          <p:cNvPr id="7" name="TextBox 6">
+            <a:extLst>
+              <a:ext uri="{FF2B5EF4-FFF2-40B4-BE49-F238E27FC236}">
+                <a16:creationId xmlns:a16="http://schemas.microsoft.com/office/drawing/2014/main" id="{C0CC801D-AB12-E2E5-C467-4F518D055FF8}"/>
+              </a:ext>
+            </a:extLst>
+          </p:cNvPr>
+          <p:cNvSpPr txBox="1"/>
+          <p:nvPr/>
+        </p:nvSpPr>
+        <p:spPr>
+          <a:xfrm>
+            <a:off x="1182750" y="4051171"/>
+            <a:ext cx="3209725" cy="369332"/>
+          </a:xfrm>
+          <a:prstGeom prst="rect">
+            <a:avLst/>
+          </a:prstGeom>
+          <a:noFill/>
+        </p:spPr>
+        <p:txBody>
+          <a:bodyPr wrap="none" rtlCol="0">
+            <a:spAutoFit/>
+          </a:bodyPr>
+          <a:lstStyle/>
+          <a:p>
+            <a:r>
+              <a:rPr lang="en-GB" dirty="0"/>
+              <a:t>Train on random, test on regular</a:t>
+            </a:r>
+          </a:p>
+        </p:txBody>
+      </p:sp>
+      <p:sp>
+        <p:nvSpPr>
+          <p:cNvPr id="2" name="TextBox 1">
+            <a:extLst>
+              <a:ext uri="{FF2B5EF4-FFF2-40B4-BE49-F238E27FC236}">
+                <a16:creationId xmlns:a16="http://schemas.microsoft.com/office/drawing/2014/main" id="{89D87715-BF7B-142D-133A-180426A7C9C2}"/>
+              </a:ext>
+            </a:extLst>
+          </p:cNvPr>
+          <p:cNvSpPr txBox="1"/>
+          <p:nvPr/>
+        </p:nvSpPr>
+        <p:spPr>
+          <a:xfrm>
+            <a:off x="772998" y="622169"/>
+            <a:ext cx="1862498" cy="369332"/>
+          </a:xfrm>
+          <a:prstGeom prst="rect">
+            <a:avLst/>
+          </a:prstGeom>
+          <a:noFill/>
+        </p:spPr>
+        <p:txBody>
+          <a:bodyPr wrap="none" rtlCol="0">
+            <a:spAutoFit/>
+          </a:bodyPr>
+          <a:lstStyle/>
+          <a:p>
+            <a:r>
+              <a:rPr lang="en-GB" b="1" dirty="0"/>
+              <a:t>To be continued…</a:t>
+            </a:r>
+          </a:p>
+        </p:txBody>
+      </p:sp>
+    </p:spTree>
+    <p:extLst>
+      <p:ext uri="{BB962C8B-B14F-4D97-AF65-F5344CB8AC3E}">
+        <p14:creationId xmlns:p14="http://schemas.microsoft.com/office/powerpoint/2010/main" val="1910811992"/>
       </p:ext>
     </p:extLst>
   </p:cSld>
@@ -3465,12 +5302,40 @@
           <a:chExt cx="0" cy="0"/>
         </a:xfrm>
       </p:grpSpPr>
+      <p:sp>
+        <p:nvSpPr>
+          <p:cNvPr id="2" name="Title 1">
+            <a:extLst>
+              <a:ext uri="{FF2B5EF4-FFF2-40B4-BE49-F238E27FC236}">
+                <a16:creationId xmlns:a16="http://schemas.microsoft.com/office/drawing/2014/main" id="{7EFF0762-1D58-DC10-C420-E170ADE0BDAB}"/>
+              </a:ext>
+            </a:extLst>
+          </p:cNvPr>
+          <p:cNvSpPr>
+            <a:spLocks noGrp="1"/>
+          </p:cNvSpPr>
+          <p:nvPr>
+            <p:ph type="title"/>
+          </p:nvPr>
+        </p:nvSpPr>
+        <p:spPr/>
+        <p:txBody>
+          <a:bodyPr/>
+          <a:lstStyle/>
+          <a:p>
+            <a:r>
+              <a:rPr lang="en-GB" dirty="0"/>
+              <a:t>Theoretical background</a:t>
+            </a:r>
+          </a:p>
+        </p:txBody>
+      </p:sp>
       <p:pic>
         <p:nvPicPr>
-          <p:cNvPr id="3" name="Picture 2">
-            <a:extLst>
-              <a:ext uri="{FF2B5EF4-FFF2-40B4-BE49-F238E27FC236}">
-                <a16:creationId xmlns:a16="http://schemas.microsoft.com/office/drawing/2014/main" id="{4C11285B-87CF-C547-ACC8-8676DE9A9251}"/>
+          <p:cNvPr id="9" name="Picture 8" descr="A picture containing text, mollusk&#10;&#10;Description automatically generated">
+            <a:extLst>
+              <a:ext uri="{FF2B5EF4-FFF2-40B4-BE49-F238E27FC236}">
+                <a16:creationId xmlns:a16="http://schemas.microsoft.com/office/drawing/2014/main" id="{618034A4-EEDB-7A53-242E-D0347568D564}"/>
               </a:ext>
             </a:extLst>
           </p:cNvPr>
@@ -3479,277 +5344,440 @@
           </p:cNvPicPr>
           <p:nvPr/>
         </p:nvPicPr>
-        <p:blipFill>
-          <a:blip r:embed="rId2"/>
-          <a:stretch>
-            <a:fillRect/>
-          </a:stretch>
-        </p:blipFill>
-        <p:spPr>
-          <a:xfrm>
-            <a:off x="1368769" y="2746575"/>
-            <a:ext cx="3718797" cy="2807569"/>
-          </a:xfrm>
-          <a:prstGeom prst="rect">
-            <a:avLst/>
-          </a:prstGeom>
-        </p:spPr>
-      </p:pic>
-      <p:pic>
-        <p:nvPicPr>
-          <p:cNvPr id="6" name="Picture 5">
-            <a:extLst>
-              <a:ext uri="{FF2B5EF4-FFF2-40B4-BE49-F238E27FC236}">
-                <a16:creationId xmlns:a16="http://schemas.microsoft.com/office/drawing/2014/main" id="{D1D37918-FD7E-BB25-46CB-6062DE640897}"/>
-              </a:ext>
-            </a:extLst>
-          </p:cNvPr>
-          <p:cNvPicPr>
-            <a:picLocks noChangeAspect="1"/>
-          </p:cNvPicPr>
-          <p:nvPr/>
-        </p:nvPicPr>
-        <p:blipFill>
-          <a:blip r:embed="rId2"/>
-          <a:stretch>
-            <a:fillRect/>
-          </a:stretch>
-        </p:blipFill>
-        <p:spPr>
-          <a:xfrm>
-            <a:off x="7541220" y="2746575"/>
-            <a:ext cx="3718797" cy="2807569"/>
-          </a:xfrm>
-          <a:prstGeom prst="rect">
-            <a:avLst/>
-          </a:prstGeom>
-        </p:spPr>
-      </p:pic>
-      <p:cxnSp>
-        <p:nvCxnSpPr>
-          <p:cNvPr id="8" name="Straight Connector 7">
-            <a:extLst>
-              <a:ext uri="{FF2B5EF4-FFF2-40B4-BE49-F238E27FC236}">
-                <a16:creationId xmlns:a16="http://schemas.microsoft.com/office/drawing/2014/main" id="{52E65039-C621-E478-0649-DE7210CFEE31}"/>
-              </a:ext>
-            </a:extLst>
-          </p:cNvPr>
-          <p:cNvCxnSpPr>
-            <a:cxnSpLocks/>
-          </p:cNvCxnSpPr>
-          <p:nvPr/>
-        </p:nvCxnSpPr>
-        <p:spPr>
-          <a:xfrm rot="5400000" flipV="1">
-            <a:off x="2945336" y="3451586"/>
-            <a:ext cx="6444000" cy="0"/>
-          </a:xfrm>
-          <a:prstGeom prst="line">
-            <a:avLst/>
-          </a:prstGeom>
-        </p:spPr>
-        <p:style>
-          <a:lnRef idx="1">
-            <a:schemeClr val="dk1"/>
-          </a:lnRef>
-          <a:fillRef idx="0">
-            <a:schemeClr val="dk1"/>
-          </a:fillRef>
-          <a:effectRef idx="0">
-            <a:schemeClr val="dk1"/>
-          </a:effectRef>
-          <a:fontRef idx="minor">
-            <a:schemeClr val="tx1"/>
-          </a:fontRef>
-        </p:style>
-      </p:cxnSp>
-      <p:sp>
-        <p:nvSpPr>
-          <p:cNvPr id="9" name="TextBox 8">
-            <a:extLst>
-              <a:ext uri="{FF2B5EF4-FFF2-40B4-BE49-F238E27FC236}">
-                <a16:creationId xmlns:a16="http://schemas.microsoft.com/office/drawing/2014/main" id="{5F5F85FC-5272-8ACD-3B71-06109A7BDDBF}"/>
-              </a:ext>
-            </a:extLst>
-          </p:cNvPr>
-          <p:cNvSpPr txBox="1"/>
-          <p:nvPr/>
-        </p:nvSpPr>
-        <p:spPr>
-          <a:xfrm>
-            <a:off x="1074656" y="547872"/>
-            <a:ext cx="6401111" cy="584775"/>
-          </a:xfrm>
-          <a:prstGeom prst="rect">
-            <a:avLst/>
-          </a:prstGeom>
-          <a:noFill/>
-        </p:spPr>
-        <p:txBody>
-          <a:bodyPr wrap="none" rtlCol="0">
-            <a:spAutoFit/>
-          </a:bodyPr>
-          <a:lstStyle/>
-          <a:p>
-            <a:r>
-              <a:rPr lang="en-US" sz="3200" b="1" dirty="0"/>
-              <a:t>T</a:t>
-            </a:r>
-            <a:r>
-              <a:rPr lang="en-GB" sz="3200" b="1" dirty="0"/>
-              <a:t>rain 					Test</a:t>
-            </a:r>
-          </a:p>
-        </p:txBody>
-      </p:sp>
-      <p:pic>
-        <p:nvPicPr>
-          <p:cNvPr id="11" name="Picture 10">
-            <a:extLst>
-              <a:ext uri="{FF2B5EF4-FFF2-40B4-BE49-F238E27FC236}">
-                <a16:creationId xmlns:a16="http://schemas.microsoft.com/office/drawing/2014/main" id="{96CB0709-FE62-3856-FF11-4F7AB9D3E8DE}"/>
-              </a:ext>
-            </a:extLst>
-          </p:cNvPr>
-          <p:cNvPicPr>
-            <a:picLocks noChangeAspect="1"/>
-          </p:cNvPicPr>
-          <p:nvPr/>
-        </p:nvPicPr>
-        <p:blipFill>
-          <a:blip r:embed="rId3"/>
-          <a:stretch>
-            <a:fillRect/>
-          </a:stretch>
-        </p:blipFill>
-        <p:spPr>
-          <a:xfrm>
-            <a:off x="4231788" y="1742330"/>
-            <a:ext cx="1177918" cy="1115922"/>
-          </a:xfrm>
-          <a:prstGeom prst="rect">
-            <a:avLst/>
-          </a:prstGeom>
-        </p:spPr>
-      </p:pic>
-      <p:pic>
-        <p:nvPicPr>
-          <p:cNvPr id="13" name="Picture 12">
-            <a:extLst>
-              <a:ext uri="{FF2B5EF4-FFF2-40B4-BE49-F238E27FC236}">
-                <a16:creationId xmlns:a16="http://schemas.microsoft.com/office/drawing/2014/main" id="{BCC522B9-C808-786E-255D-D4A019E59C8E}"/>
-              </a:ext>
-            </a:extLst>
-          </p:cNvPr>
-          <p:cNvPicPr>
-            <a:picLocks noChangeAspect="1"/>
-          </p:cNvPicPr>
-          <p:nvPr/>
-        </p:nvPicPr>
         <p:blipFill rotWithShape="1">
-          <a:blip r:embed="rId4"/>
-          <a:srcRect t="4477"/>
+          <a:blip r:embed="rId2">
+            <a:extLst>
+              <a:ext uri="{28A0092B-C50C-407E-A947-70E740481C1C}">
+                <a14:useLocalDpi xmlns:a14="http://schemas.microsoft.com/office/drawing/2010/main" val="0"/>
+              </a:ext>
+            </a:extLst>
+          </a:blip>
+          <a:srcRect t="16312" b="15035"/>
           <a:stretch/>
         </p:blipFill>
         <p:spPr>
           <a:xfrm>
-            <a:off x="1053902" y="1742329"/>
-            <a:ext cx="1177917" cy="1144253"/>
+            <a:off x="1614799" y="2725889"/>
+            <a:ext cx="3189938" cy="2189971"/>
           </a:xfrm>
           <a:prstGeom prst="rect">
             <a:avLst/>
           </a:prstGeom>
         </p:spPr>
       </p:pic>
-      <p:pic>
-        <p:nvPicPr>
-          <p:cNvPr id="16" name="Picture 15">
-            <a:extLst>
-              <a:ext uri="{FF2B5EF4-FFF2-40B4-BE49-F238E27FC236}">
-                <a16:creationId xmlns:a16="http://schemas.microsoft.com/office/drawing/2014/main" id="{9C1A5688-6357-D029-BD1C-11FF8CDE17A0}"/>
-              </a:ext>
-            </a:extLst>
-          </p:cNvPr>
-          <p:cNvPicPr>
-            <a:picLocks noChangeAspect="1"/>
-          </p:cNvPicPr>
-          <p:nvPr/>
-        </p:nvPicPr>
-        <p:blipFill rotWithShape="1">
-          <a:blip r:embed="rId4"/>
-          <a:srcRect t="4477"/>
-          <a:stretch/>
-        </p:blipFill>
-        <p:spPr>
-          <a:xfrm>
-            <a:off x="7247107" y="1742329"/>
-            <a:ext cx="1177917" cy="1144253"/>
-          </a:xfrm>
-          <a:prstGeom prst="rect">
-            <a:avLst/>
-          </a:prstGeom>
-        </p:spPr>
-      </p:pic>
-      <p:sp>
-        <p:nvSpPr>
-          <p:cNvPr id="17" name="TextBox 16">
-            <a:extLst>
-              <a:ext uri="{FF2B5EF4-FFF2-40B4-BE49-F238E27FC236}">
-                <a16:creationId xmlns:a16="http://schemas.microsoft.com/office/drawing/2014/main" id="{54C9B063-9407-89A6-B5CF-6E7C7A1A0A7F}"/>
-              </a:ext>
-            </a:extLst>
-          </p:cNvPr>
-          <p:cNvSpPr txBox="1"/>
-          <p:nvPr/>
-        </p:nvSpPr>
-        <p:spPr>
-          <a:xfrm>
-            <a:off x="10566400" y="1892509"/>
-            <a:ext cx="602178" cy="830997"/>
-          </a:xfrm>
-          <a:prstGeom prst="rect">
-            <a:avLst/>
-          </a:prstGeom>
-          <a:noFill/>
-          <a:ln>
+      <p:grpSp>
+        <p:nvGrpSpPr>
+          <p:cNvPr id="23" name="Group 22">
+            <a:extLst>
+              <a:ext uri="{FF2B5EF4-FFF2-40B4-BE49-F238E27FC236}">
+                <a16:creationId xmlns:a16="http://schemas.microsoft.com/office/drawing/2014/main" id="{21F1CF1E-65D9-B3F7-8BC8-1508C90B991C}"/>
+              </a:ext>
+            </a:extLst>
+          </p:cNvPr>
+          <p:cNvGrpSpPr/>
+          <p:nvPr/>
+        </p:nvGrpSpPr>
+        <p:grpSpPr>
+          <a:xfrm>
+            <a:off x="5982149" y="2275591"/>
+            <a:ext cx="5159618" cy="3090565"/>
+            <a:chOff x="386417" y="2057905"/>
+            <a:chExt cx="6098553" cy="3438063"/>
+          </a:xfrm>
+        </p:grpSpPr>
+        <p:pic>
+          <p:nvPicPr>
+            <p:cNvPr id="11" name="Picture 10" descr="Chart&#10;&#10;Description automatically generated">
+              <a:extLst>
+                <a:ext uri="{FF2B5EF4-FFF2-40B4-BE49-F238E27FC236}">
+                  <a16:creationId xmlns:a16="http://schemas.microsoft.com/office/drawing/2014/main" id="{E1DC8CB7-8610-3392-3C2A-7916982B0C8C}"/>
+                </a:ext>
+              </a:extLst>
+            </p:cNvPr>
+            <p:cNvPicPr>
+              <a:picLocks noChangeAspect="1"/>
+            </p:cNvPicPr>
+            <p:nvPr/>
+          </p:nvPicPr>
+          <p:blipFill>
+            <a:blip r:embed="rId3">
+              <a:extLst>
+                <a:ext uri="{28A0092B-C50C-407E-A947-70E740481C1C}">
+                  <a14:useLocalDpi xmlns:a14="http://schemas.microsoft.com/office/drawing/2010/main" val="0"/>
+                </a:ext>
+              </a:extLst>
+            </a:blip>
+            <a:stretch>
+              <a:fillRect/>
+            </a:stretch>
+          </p:blipFill>
+          <p:spPr>
+            <a:xfrm>
+              <a:off x="571080" y="2102774"/>
+              <a:ext cx="4598889" cy="3208528"/>
+            </a:xfrm>
+            <a:prstGeom prst="rect">
+              <a:avLst/>
+            </a:prstGeom>
+          </p:spPr>
+        </p:pic>
+        <p:cxnSp>
+          <p:nvCxnSpPr>
+            <p:cNvPr id="13" name="Straight Connector 12">
+              <a:extLst>
+                <a:ext uri="{FF2B5EF4-FFF2-40B4-BE49-F238E27FC236}">
+                  <a16:creationId xmlns:a16="http://schemas.microsoft.com/office/drawing/2014/main" id="{5D344D3B-59AC-1584-D928-FC677C550980}"/>
+                </a:ext>
+              </a:extLst>
+            </p:cNvPr>
+            <p:cNvCxnSpPr/>
+            <p:nvPr/>
+          </p:nvCxnSpPr>
+          <p:spPr>
+            <a:xfrm>
+              <a:off x="1150222" y="4864431"/>
+              <a:ext cx="3929975" cy="0"/>
+            </a:xfrm>
+            <a:prstGeom prst="line">
+              <a:avLst/>
+            </a:prstGeom>
+            <a:ln w="28575"/>
+          </p:spPr>
+          <p:style>
+            <a:lnRef idx="1">
+              <a:schemeClr val="dk1"/>
+            </a:lnRef>
+            <a:fillRef idx="0">
+              <a:schemeClr val="dk1"/>
+            </a:fillRef>
+            <a:effectRef idx="0">
+              <a:schemeClr val="dk1"/>
+            </a:effectRef>
+            <a:fontRef idx="minor">
+              <a:schemeClr val="tx1"/>
+            </a:fontRef>
+          </p:style>
+        </p:cxnSp>
+        <p:cxnSp>
+          <p:nvCxnSpPr>
+            <p:cNvPr id="14" name="Straight Connector 13">
+              <a:extLst>
+                <a:ext uri="{FF2B5EF4-FFF2-40B4-BE49-F238E27FC236}">
+                  <a16:creationId xmlns:a16="http://schemas.microsoft.com/office/drawing/2014/main" id="{254DD8F3-43F7-935E-4B1F-65A26C45C4AD}"/>
+                </a:ext>
+              </a:extLst>
+            </p:cNvPr>
+            <p:cNvCxnSpPr>
+              <a:cxnSpLocks/>
+            </p:cNvCxnSpPr>
+            <p:nvPr/>
+          </p:nvCxnSpPr>
+          <p:spPr>
+            <a:xfrm rot="5400000">
+              <a:off x="-101591" y="3599055"/>
+              <a:ext cx="2520000" cy="0"/>
+            </a:xfrm>
+            <a:prstGeom prst="line">
+              <a:avLst/>
+            </a:prstGeom>
+            <a:ln w="28575"/>
+          </p:spPr>
+          <p:style>
+            <a:lnRef idx="1">
+              <a:schemeClr val="dk1"/>
+            </a:lnRef>
+            <a:fillRef idx="0">
+              <a:schemeClr val="dk1"/>
+            </a:fillRef>
+            <a:effectRef idx="0">
+              <a:schemeClr val="dk1"/>
+            </a:effectRef>
+            <a:fontRef idx="minor">
+              <a:schemeClr val="tx1"/>
+            </a:fontRef>
+          </p:style>
+        </p:cxnSp>
+        <p:sp>
+          <p:nvSpPr>
+            <p:cNvPr id="15" name="TextBox 14">
+              <a:extLst>
+                <a:ext uri="{FF2B5EF4-FFF2-40B4-BE49-F238E27FC236}">
+                  <a16:creationId xmlns:a16="http://schemas.microsoft.com/office/drawing/2014/main" id="{C9D9DB89-6A88-EC90-B5BB-BA7903D53B74}"/>
+                </a:ext>
+              </a:extLst>
+            </p:cNvPr>
+            <p:cNvSpPr txBox="1"/>
+            <p:nvPr/>
+          </p:nvSpPr>
+          <p:spPr>
+            <a:xfrm>
+              <a:off x="2297290" y="5126636"/>
+              <a:ext cx="1146468" cy="369332"/>
+            </a:xfrm>
+            <a:prstGeom prst="rect">
+              <a:avLst/>
+            </a:prstGeom>
             <a:solidFill>
-              <a:schemeClr val="tx1"/>
+              <a:schemeClr val="bg1"/>
             </a:solidFill>
-          </a:ln>
-        </p:spPr>
-        <p:txBody>
-          <a:bodyPr wrap="square" rtlCol="0">
-            <a:spAutoFit/>
-          </a:bodyPr>
-          <a:lstStyle/>
-          <a:p>
-            <a:pPr algn="ctr"/>
-            <a:r>
-              <a:rPr lang="en-GB" sz="4800" dirty="0">
-                <a:latin typeface="Arial" panose="020B0604020202020204" pitchFamily="34" charset="0"/>
-                <a:cs typeface="Arial" panose="020B0604020202020204" pitchFamily="34" charset="0"/>
-              </a:rPr>
-              <a:t>?</a:t>
-            </a:r>
-          </a:p>
-        </p:txBody>
-      </p:sp>
+          </p:spPr>
+          <p:txBody>
+            <a:bodyPr wrap="none" rtlCol="0">
+              <a:spAutoFit/>
+            </a:bodyPr>
+            <a:lstStyle/>
+            <a:p>
+              <a:r>
+                <a:rPr lang="en-GB" dirty="0"/>
+                <a:t>Time (</a:t>
+              </a:r>
+              <a:r>
+                <a:rPr lang="en-GB" sz="1600" dirty="0"/>
+                <a:t>sec</a:t>
+              </a:r>
+              <a:r>
+                <a:rPr lang="en-GB" dirty="0"/>
+                <a:t>)</a:t>
+              </a:r>
+            </a:p>
+          </p:txBody>
+        </p:sp>
+        <p:sp>
+          <p:nvSpPr>
+            <p:cNvPr id="16" name="TextBox 15">
+              <a:extLst>
+                <a:ext uri="{FF2B5EF4-FFF2-40B4-BE49-F238E27FC236}">
+                  <a16:creationId xmlns:a16="http://schemas.microsoft.com/office/drawing/2014/main" id="{C685C96D-1E2B-084C-457C-F1B81E880284}"/>
+                </a:ext>
+              </a:extLst>
+            </p:cNvPr>
+            <p:cNvSpPr txBox="1"/>
+            <p:nvPr/>
+          </p:nvSpPr>
+          <p:spPr>
+            <a:xfrm rot="16200000">
+              <a:off x="-380460" y="3414389"/>
+              <a:ext cx="1903085" cy="369332"/>
+            </a:xfrm>
+            <a:prstGeom prst="rect">
+              <a:avLst/>
+            </a:prstGeom>
+            <a:solidFill>
+              <a:schemeClr val="bg1"/>
+            </a:solidFill>
+          </p:spPr>
+          <p:txBody>
+            <a:bodyPr wrap="none" rtlCol="0">
+              <a:spAutoFit/>
+            </a:bodyPr>
+            <a:lstStyle/>
+            <a:p>
+              <a:r>
+                <a:rPr lang="en-GB" dirty="0"/>
+                <a:t>Amplitude (</a:t>
+              </a:r>
+              <a:r>
+                <a:rPr lang="en-GB" sz="1600" dirty="0" err="1"/>
+                <a:t>dSPM</a:t>
+              </a:r>
+              <a:r>
+                <a:rPr lang="en-GB" dirty="0"/>
+                <a:t>)</a:t>
+              </a:r>
+            </a:p>
+          </p:txBody>
+        </p:sp>
+        <p:sp>
+          <p:nvSpPr>
+            <p:cNvPr id="17" name="TextBox 16">
+              <a:extLst>
+                <a:ext uri="{FF2B5EF4-FFF2-40B4-BE49-F238E27FC236}">
+                  <a16:creationId xmlns:a16="http://schemas.microsoft.com/office/drawing/2014/main" id="{5EE6A107-C209-D2F0-F71C-3C046CD0339C}"/>
+                </a:ext>
+              </a:extLst>
+            </p:cNvPr>
+            <p:cNvSpPr txBox="1"/>
+            <p:nvPr/>
+          </p:nvSpPr>
+          <p:spPr>
+            <a:xfrm>
+              <a:off x="2017720" y="2057905"/>
+              <a:ext cx="1760169" cy="369332"/>
+            </a:xfrm>
+            <a:prstGeom prst="rect">
+              <a:avLst/>
+            </a:prstGeom>
+            <a:solidFill>
+              <a:schemeClr val="bg1"/>
+            </a:solidFill>
+          </p:spPr>
+          <p:txBody>
+            <a:bodyPr wrap="square" rtlCol="0">
+              <a:spAutoFit/>
+            </a:bodyPr>
+            <a:lstStyle/>
+            <a:p>
+              <a:r>
+                <a:rPr lang="en-GB" dirty="0"/>
+                <a:t>          </a:t>
+              </a:r>
+            </a:p>
+          </p:txBody>
+        </p:sp>
+        <p:sp>
+          <p:nvSpPr>
+            <p:cNvPr id="20" name="TextBox 19">
+              <a:extLst>
+                <a:ext uri="{FF2B5EF4-FFF2-40B4-BE49-F238E27FC236}">
+                  <a16:creationId xmlns:a16="http://schemas.microsoft.com/office/drawing/2014/main" id="{AA3BB267-7119-7B11-D2CD-1F2FC8775254}"/>
+                </a:ext>
+              </a:extLst>
+            </p:cNvPr>
+            <p:cNvSpPr txBox="1"/>
+            <p:nvPr/>
+          </p:nvSpPr>
+          <p:spPr>
+            <a:xfrm>
+              <a:off x="3964087" y="2057905"/>
+              <a:ext cx="2520883" cy="923330"/>
+            </a:xfrm>
+            <a:prstGeom prst="rect">
+              <a:avLst/>
+            </a:prstGeom>
+            <a:noFill/>
+          </p:spPr>
+          <p:txBody>
+            <a:bodyPr wrap="none" rtlCol="0">
+              <a:spAutoFit/>
+            </a:bodyPr>
+            <a:lstStyle/>
+            <a:p>
+              <a:r>
+                <a:rPr lang="en-GB" dirty="0">
+                  <a:solidFill>
+                    <a:srgbClr val="0000FF"/>
+                  </a:solidFill>
+                </a:rPr>
+                <a:t>Predictable distractor</a:t>
+              </a:r>
+            </a:p>
+            <a:p>
+              <a:r>
+                <a:rPr lang="en-GB" dirty="0">
+                  <a:solidFill>
+                    <a:srgbClr val="FF00FF"/>
+                  </a:solidFill>
+                </a:rPr>
+                <a:t>Unpredictable distractor</a:t>
+              </a:r>
+            </a:p>
+            <a:p>
+              <a:endParaRPr lang="en-GB" dirty="0"/>
+            </a:p>
+          </p:txBody>
+        </p:sp>
+      </p:grpSp>
     </p:spTree>
     <p:extLst>
       <p:ext uri="{BB962C8B-B14F-4D97-AF65-F5344CB8AC3E}">
-        <p14:creationId xmlns:p14="http://schemas.microsoft.com/office/powerpoint/2010/main" val="1750559026"/>
+        <p14:creationId xmlns:p14="http://schemas.microsoft.com/office/powerpoint/2010/main" val="4054459455"/>
       </p:ext>
     </p:extLst>
   </p:cSld>
   <p:clrMapOvr>
     <a:masterClrMapping/>
   </p:clrMapOvr>
+  <p:timing>
+    <p:tnLst>
+      <p:par>
+        <p:cTn id="1" dur="indefinite" restart="never" nodeType="tmRoot">
+          <p:childTnLst>
+            <p:seq concurrent="1" nextAc="seek">
+              <p:cTn id="2" dur="indefinite" nodeType="mainSeq">
+                <p:childTnLst>
+                  <p:par>
+                    <p:cTn id="3" fill="hold">
+                      <p:stCondLst>
+                        <p:cond delay="indefinite"/>
+                      </p:stCondLst>
+                      <p:childTnLst>
+                        <p:par>
+                          <p:cTn id="4" fill="hold">
+                            <p:stCondLst>
+                              <p:cond delay="0"/>
+                            </p:stCondLst>
+                            <p:childTnLst>
+                              <p:par>
+                                <p:cTn id="5" presetID="1" presetClass="entr" presetSubtype="0" fill="hold" nodeType="clickEffect">
+                                  <p:stCondLst>
+                                    <p:cond delay="0"/>
+                                  </p:stCondLst>
+                                  <p:childTnLst>
+                                    <p:set>
+                                      <p:cBhvr>
+                                        <p:cTn id="6" dur="1" fill="hold">
+                                          <p:stCondLst>
+                                            <p:cond delay="0"/>
+                                          </p:stCondLst>
+                                        </p:cTn>
+                                        <p:tgtEl>
+                                          <p:spTgt spid="9"/>
+                                        </p:tgtEl>
+                                        <p:attrNameLst>
+                                          <p:attrName>style.visibility</p:attrName>
+                                        </p:attrNameLst>
+                                      </p:cBhvr>
+                                      <p:to>
+                                        <p:strVal val="visible"/>
+                                      </p:to>
+                                    </p:set>
+                                  </p:childTnLst>
+                                </p:cTn>
+                              </p:par>
+                            </p:childTnLst>
+                          </p:cTn>
+                        </p:par>
+                      </p:childTnLst>
+                    </p:cTn>
+                  </p:par>
+                </p:childTnLst>
+              </p:cTn>
+              <p:prevCondLst>
+                <p:cond evt="onPrev" delay="0">
+                  <p:tgtEl>
+                    <p:sldTgt/>
+                  </p:tgtEl>
+                </p:cond>
+              </p:prevCondLst>
+              <p:nextCondLst>
+                <p:cond evt="onNext" delay="0">
+                  <p:tgtEl>
+                    <p:sldTgt/>
+                  </p:tgtEl>
+                </p:cond>
+              </p:nextCondLst>
+            </p:seq>
+          </p:childTnLst>
+        </p:cTn>
+      </p:par>
+    </p:tnLst>
+  </p:timing>
 </p:sld>
 </file>
 
 <file path=ppt/slides/slide3.xml><?xml version="1.0" encoding="utf-8"?>
 <p:sld xmlns:a="http://schemas.openxmlformats.org/drawingml/2006/main" xmlns:r="http://schemas.openxmlformats.org/officeDocument/2006/relationships" xmlns:p="http://schemas.openxmlformats.org/presentationml/2006/main">
   <p:cSld>
+    <p:bg>
+      <p:bgPr>
+        <a:solidFill>
+          <a:schemeClr val="bg1">
+            <a:alpha val="0"/>
+          </a:schemeClr>
+        </a:solidFill>
+        <a:effectLst/>
+      </p:bgPr>
+    </p:bg>
     <p:spTree>
       <p:nvGrpSpPr>
         <p:cNvPr id="1" name=""/>
@@ -3766,40 +5794,55 @@
       </p:grpSpPr>
       <p:pic>
         <p:nvPicPr>
-          <p:cNvPr id="7" name="Picture 6">
-            <a:extLst>
-              <a:ext uri="{FF2B5EF4-FFF2-40B4-BE49-F238E27FC236}">
-                <a16:creationId xmlns:a16="http://schemas.microsoft.com/office/drawing/2014/main" id="{EA09EAC2-955C-9C2C-382C-6626E8655FC0}"/>
+          <p:cNvPr id="30" name="Picture 4" descr="Soundwave Images, Stock Photos &amp; Vectors | Shutterstock">
+            <a:extLst>
+              <a:ext uri="{FF2B5EF4-FFF2-40B4-BE49-F238E27FC236}">
+                <a16:creationId xmlns:a16="http://schemas.microsoft.com/office/drawing/2014/main" id="{A7BC4F8D-A046-9958-CC4B-085F6C8C5D3C}"/>
               </a:ext>
             </a:extLst>
           </p:cNvPr>
           <p:cNvPicPr>
-            <a:picLocks noChangeAspect="1"/>
+            <a:picLocks noChangeAspect="1" noChangeArrowheads="1"/>
           </p:cNvPicPr>
           <p:nvPr/>
         </p:nvPicPr>
-        <p:blipFill>
-          <a:blip r:embed="rId2"/>
-          <a:stretch>
-            <a:fillRect/>
-          </a:stretch>
+        <p:blipFill rotWithShape="1">
+          <a:blip r:embed="rId2">
+            <a:extLst>
+              <a:ext uri="{28A0092B-C50C-407E-A947-70E740481C1C}">
+                <a14:useLocalDpi xmlns:a14="http://schemas.microsoft.com/office/drawing/2010/main" val="0"/>
+              </a:ext>
+            </a:extLst>
+          </a:blip>
+          <a:srcRect l="36659" t="59317" r="38613" b="10497"/>
+          <a:stretch/>
         </p:blipFill>
-        <p:spPr>
-          <a:xfrm>
-            <a:off x="1078877" y="581459"/>
-            <a:ext cx="4496427" cy="3277057"/>
+        <p:spPr bwMode="auto">
+          <a:xfrm>
+            <a:off x="1132530" y="2889265"/>
+            <a:ext cx="1719469" cy="805070"/>
           </a:xfrm>
           <a:prstGeom prst="rect">
             <a:avLst/>
           </a:prstGeom>
+          <a:noFill/>
+          <a:extLst>
+            <a:ext uri="{909E8E84-426E-40DD-AFC4-6F175D3DCCD1}">
+              <a14:hiddenFill xmlns:a14="http://schemas.microsoft.com/office/drawing/2010/main">
+                <a:solidFill>
+                  <a:srgbClr val="FFFFFF"/>
+                </a:solidFill>
+              </a14:hiddenFill>
+            </a:ext>
+          </a:extLst>
         </p:spPr>
       </p:pic>
       <p:pic>
         <p:nvPicPr>
-          <p:cNvPr id="9" name="Picture 8">
-            <a:extLst>
-              <a:ext uri="{FF2B5EF4-FFF2-40B4-BE49-F238E27FC236}">
-                <a16:creationId xmlns:a16="http://schemas.microsoft.com/office/drawing/2014/main" id="{42866D0B-BB1F-C022-39ED-B914376F20E3}"/>
+          <p:cNvPr id="12" name="Picture 11">
+            <a:extLst>
+              <a:ext uri="{FF2B5EF4-FFF2-40B4-BE49-F238E27FC236}">
+                <a16:creationId xmlns:a16="http://schemas.microsoft.com/office/drawing/2014/main" id="{73941188-3144-5A75-EE5B-3B7946FEF756}"/>
               </a:ext>
             </a:extLst>
           </p:cNvPr>
@@ -3816,48 +5859,392 @@
         </p:blipFill>
         <p:spPr>
           <a:xfrm>
-            <a:off x="6839589" y="634804"/>
-            <a:ext cx="4486901" cy="3238952"/>
+            <a:off x="3109460" y="1469414"/>
+            <a:ext cx="5973079" cy="4509477"/>
           </a:xfrm>
           <a:prstGeom prst="rect">
             <a:avLst/>
           </a:prstGeom>
+        </p:spPr>
+      </p:pic>
+      <p:sp>
+        <p:nvSpPr>
+          <p:cNvPr id="19" name="TextBox 18">
+            <a:extLst>
+              <a:ext uri="{FF2B5EF4-FFF2-40B4-BE49-F238E27FC236}">
+                <a16:creationId xmlns:a16="http://schemas.microsoft.com/office/drawing/2014/main" id="{10C8AA95-1D08-BA64-1E75-70507FD0A7F9}"/>
+              </a:ext>
+            </a:extLst>
+          </p:cNvPr>
+          <p:cNvSpPr txBox="1"/>
+          <p:nvPr/>
+        </p:nvSpPr>
+        <p:spPr>
+          <a:xfrm>
+            <a:off x="787940" y="204281"/>
+            <a:ext cx="4762842" cy="461665"/>
+          </a:xfrm>
+          <a:prstGeom prst="rect">
+            <a:avLst/>
+          </a:prstGeom>
+          <a:noFill/>
+        </p:spPr>
+        <p:txBody>
+          <a:bodyPr wrap="none" rtlCol="0">
+            <a:spAutoFit/>
+          </a:bodyPr>
+          <a:lstStyle/>
+          <a:p>
+            <a:r>
+              <a:rPr lang="en-GB" sz="2400" b="1" i="1" dirty="0">
+                <a:solidFill>
+                  <a:srgbClr val="000305"/>
+                </a:solidFill>
+                <a:effectLst/>
+                <a:latin typeface="Source Sans Pro" panose="020B0503030403020204" pitchFamily="34" charset="0"/>
+              </a:rPr>
+              <a:t>AutoEncoders,</a:t>
+            </a:r>
+            <a:r>
+              <a:rPr lang="en-GB" sz="2000" b="0" i="1" dirty="0">
+                <a:solidFill>
+                  <a:srgbClr val="000305"/>
+                </a:solidFill>
+                <a:effectLst/>
+                <a:latin typeface="Source Sans Pro" panose="020B0503030403020204" pitchFamily="34" charset="0"/>
+              </a:rPr>
+              <a:t> self-supervised machines</a:t>
+            </a:r>
+            <a:endParaRPr lang="en-GB" sz="2000" dirty="0"/>
+          </a:p>
+        </p:txBody>
+      </p:sp>
+      <p:pic>
+        <p:nvPicPr>
+          <p:cNvPr id="21" name="Picture 4" descr="Soundwave Images, Stock Photos &amp; Vectors | Shutterstock">
+            <a:extLst>
+              <a:ext uri="{FF2B5EF4-FFF2-40B4-BE49-F238E27FC236}">
+                <a16:creationId xmlns:a16="http://schemas.microsoft.com/office/drawing/2014/main" id="{FE793375-424A-94D4-FE4C-9E4DA3BE2E72}"/>
+              </a:ext>
+            </a:extLst>
+          </p:cNvPr>
+          <p:cNvPicPr>
+            <a:picLocks noChangeAspect="1" noChangeArrowheads="1"/>
+          </p:cNvPicPr>
+          <p:nvPr/>
+        </p:nvPicPr>
+        <p:blipFill rotWithShape="1">
+          <a:blip r:embed="rId2">
+            <a:extLst>
+              <a:ext uri="{28A0092B-C50C-407E-A947-70E740481C1C}">
+                <a14:useLocalDpi xmlns:a14="http://schemas.microsoft.com/office/drawing/2010/main" val="0"/>
+              </a:ext>
+            </a:extLst>
+          </a:blip>
+          <a:srcRect l="36659" t="59317" r="38613" b="10497"/>
+          <a:stretch/>
+        </p:blipFill>
+        <p:spPr bwMode="auto">
+          <a:xfrm>
+            <a:off x="9302463" y="3321617"/>
+            <a:ext cx="1719469" cy="805070"/>
+          </a:xfrm>
+          <a:prstGeom prst="rect">
+            <a:avLst/>
+          </a:prstGeom>
+          <a:noFill/>
+          <a:extLst>
+            <a:ext uri="{909E8E84-426E-40DD-AFC4-6F175D3DCCD1}">
+              <a14:hiddenFill xmlns:a14="http://schemas.microsoft.com/office/drawing/2010/main">
+                <a:solidFill>
+                  <a:srgbClr val="FFFFFF"/>
+                </a:solidFill>
+              </a14:hiddenFill>
+            </a:ext>
+          </a:extLst>
         </p:spPr>
       </p:pic>
       <p:pic>
         <p:nvPicPr>
-          <p:cNvPr id="15" name="Picture 14">
-            <a:extLst>
-              <a:ext uri="{FF2B5EF4-FFF2-40B4-BE49-F238E27FC236}">
-                <a16:creationId xmlns:a16="http://schemas.microsoft.com/office/drawing/2014/main" id="{3397AF23-1CB5-9B67-C632-EB21F8E949A4}"/>
+          <p:cNvPr id="23" name="Picture 4" descr="Soundwave Images, Stock Photos &amp; Vectors | Shutterstock">
+            <a:extLst>
+              <a:ext uri="{FF2B5EF4-FFF2-40B4-BE49-F238E27FC236}">
+                <a16:creationId xmlns:a16="http://schemas.microsoft.com/office/drawing/2014/main" id="{CEF2D884-DFD1-8AB7-2193-5D4E4224C406}"/>
               </a:ext>
             </a:extLst>
           </p:cNvPr>
           <p:cNvPicPr>
-            <a:picLocks noChangeAspect="1"/>
+            <a:picLocks noChangeAspect="1" noChangeArrowheads="1"/>
           </p:cNvPicPr>
           <p:nvPr/>
         </p:nvPicPr>
-        <p:blipFill>
-          <a:blip r:embed="rId4"/>
-          <a:stretch>
-            <a:fillRect/>
-          </a:stretch>
+        <p:blipFill rotWithShape="1">
+          <a:blip r:embed="rId2">
+            <a:extLst>
+              <a:ext uri="{28A0092B-C50C-407E-A947-70E740481C1C}">
+                <a14:useLocalDpi xmlns:a14="http://schemas.microsoft.com/office/drawing/2010/main" val="0"/>
+              </a:ext>
+            </a:extLst>
+          </a:blip>
+          <a:srcRect l="60386" t="62671" r="14886" b="7143"/>
+          <a:stretch/>
         </p:blipFill>
-        <p:spPr>
-          <a:xfrm>
-            <a:off x="8247373" y="4022913"/>
-            <a:ext cx="3294388" cy="2654374"/>
+        <p:spPr bwMode="auto">
+          <a:xfrm flipH="1" flipV="1">
+            <a:off x="1170068" y="4070652"/>
+            <a:ext cx="1719469" cy="805070"/>
           </a:xfrm>
           <a:prstGeom prst="rect">
             <a:avLst/>
           </a:prstGeom>
+          <a:noFill/>
+          <a:extLst>
+            <a:ext uri="{909E8E84-426E-40DD-AFC4-6F175D3DCCD1}">
+              <a14:hiddenFill xmlns:a14="http://schemas.microsoft.com/office/drawing/2010/main">
+                <a:solidFill>
+                  <a:srgbClr val="FFFFFF"/>
+                </a:solidFill>
+              </a14:hiddenFill>
+            </a:ext>
+          </a:extLst>
         </p:spPr>
       </p:pic>
+      <p:sp>
+        <p:nvSpPr>
+          <p:cNvPr id="5" name="TextBox 4">
+            <a:extLst>
+              <a:ext uri="{FF2B5EF4-FFF2-40B4-BE49-F238E27FC236}">
+                <a16:creationId xmlns:a16="http://schemas.microsoft.com/office/drawing/2014/main" id="{77E0843D-CF92-C6DF-9096-B06762164DC4}"/>
+              </a:ext>
+            </a:extLst>
+          </p:cNvPr>
+          <p:cNvSpPr txBox="1"/>
+          <p:nvPr/>
+        </p:nvSpPr>
+        <p:spPr>
+          <a:xfrm>
+            <a:off x="1808651" y="3549567"/>
+            <a:ext cx="338554" cy="461665"/>
+          </a:xfrm>
+          <a:prstGeom prst="rect">
+            <a:avLst/>
+          </a:prstGeom>
+          <a:noFill/>
+        </p:spPr>
+        <p:txBody>
+          <a:bodyPr wrap="none" rtlCol="0">
+            <a:spAutoFit/>
+          </a:bodyPr>
+          <a:lstStyle/>
+          <a:p>
+            <a:r>
+              <a:rPr lang="en-GB" sz="2400" dirty="0"/>
+              <a:t>+</a:t>
+            </a:r>
+          </a:p>
+        </p:txBody>
+      </p:sp>
+      <p:sp>
+        <p:nvSpPr>
+          <p:cNvPr id="7" name="Arrow: Right 6">
+            <a:extLst>
+              <a:ext uri="{FF2B5EF4-FFF2-40B4-BE49-F238E27FC236}">
+                <a16:creationId xmlns:a16="http://schemas.microsoft.com/office/drawing/2014/main" id="{424CEB5F-EBCD-7E7D-83E5-22BA97E924AA}"/>
+              </a:ext>
+            </a:extLst>
+          </p:cNvPr>
+          <p:cNvSpPr/>
+          <p:nvPr/>
+        </p:nvSpPr>
+        <p:spPr>
+          <a:xfrm>
+            <a:off x="2823317" y="3565418"/>
+            <a:ext cx="545164" cy="289891"/>
+          </a:xfrm>
+          <a:prstGeom prst="rightArrow">
+            <a:avLst/>
+          </a:prstGeom>
+        </p:spPr>
+        <p:style>
+          <a:lnRef idx="2">
+            <a:schemeClr val="dk1">
+              <a:shade val="50000"/>
+            </a:schemeClr>
+          </a:lnRef>
+          <a:fillRef idx="1">
+            <a:schemeClr val="dk1"/>
+          </a:fillRef>
+          <a:effectRef idx="0">
+            <a:schemeClr val="dk1"/>
+          </a:effectRef>
+          <a:fontRef idx="minor">
+            <a:schemeClr val="lt1"/>
+          </a:fontRef>
+        </p:style>
+        <p:txBody>
+          <a:bodyPr rtlCol="0" anchor="ctr"/>
+          <a:lstStyle/>
+          <a:p>
+            <a:pPr algn="ctr"/>
+            <a:endParaRPr lang="en-GB"/>
+          </a:p>
+        </p:txBody>
+      </p:sp>
+      <p:sp>
+        <p:nvSpPr>
+          <p:cNvPr id="26" name="Arrow: Right 25">
+            <a:extLst>
+              <a:ext uri="{FF2B5EF4-FFF2-40B4-BE49-F238E27FC236}">
+                <a16:creationId xmlns:a16="http://schemas.microsoft.com/office/drawing/2014/main" id="{BE203138-CA32-19FB-63C8-DC80A1F0DDF9}"/>
+              </a:ext>
+            </a:extLst>
+          </p:cNvPr>
+          <p:cNvSpPr/>
+          <p:nvPr/>
+        </p:nvSpPr>
+        <p:spPr>
+          <a:xfrm>
+            <a:off x="8647337" y="3635453"/>
+            <a:ext cx="545164" cy="289891"/>
+          </a:xfrm>
+          <a:prstGeom prst="rightArrow">
+            <a:avLst/>
+          </a:prstGeom>
+        </p:spPr>
+        <p:style>
+          <a:lnRef idx="2">
+            <a:schemeClr val="dk1">
+              <a:shade val="50000"/>
+            </a:schemeClr>
+          </a:lnRef>
+          <a:fillRef idx="1">
+            <a:schemeClr val="dk1"/>
+          </a:fillRef>
+          <a:effectRef idx="0">
+            <a:schemeClr val="dk1"/>
+          </a:effectRef>
+          <a:fontRef idx="minor">
+            <a:schemeClr val="lt1"/>
+          </a:fontRef>
+        </p:style>
+        <p:txBody>
+          <a:bodyPr rtlCol="0" anchor="ctr"/>
+          <a:lstStyle/>
+          <a:p>
+            <a:pPr algn="ctr"/>
+            <a:endParaRPr lang="en-GB"/>
+          </a:p>
+        </p:txBody>
+      </p:sp>
+      <p:sp>
+        <p:nvSpPr>
+          <p:cNvPr id="8" name="TextBox 7">
+            <a:extLst>
+              <a:ext uri="{FF2B5EF4-FFF2-40B4-BE49-F238E27FC236}">
+                <a16:creationId xmlns:a16="http://schemas.microsoft.com/office/drawing/2014/main" id="{497526D4-BED2-7318-2E10-DFF7234EDF57}"/>
+              </a:ext>
+            </a:extLst>
+          </p:cNvPr>
+          <p:cNvSpPr txBox="1"/>
+          <p:nvPr/>
+        </p:nvSpPr>
+        <p:spPr>
+          <a:xfrm>
+            <a:off x="1206597" y="2736574"/>
+            <a:ext cx="1421736" cy="369332"/>
+          </a:xfrm>
+          <a:prstGeom prst="rect">
+            <a:avLst/>
+          </a:prstGeom>
+          <a:noFill/>
+        </p:spPr>
+        <p:txBody>
+          <a:bodyPr wrap="none" rtlCol="0">
+            <a:spAutoFit/>
+          </a:bodyPr>
+          <a:lstStyle/>
+          <a:p>
+            <a:r>
+              <a:rPr lang="en-GB" dirty="0"/>
+              <a:t>Task-relevant</a:t>
+            </a:r>
+          </a:p>
+        </p:txBody>
+      </p:sp>
+      <p:sp>
+        <p:nvSpPr>
+          <p:cNvPr id="28" name="TextBox 27">
+            <a:extLst>
+              <a:ext uri="{FF2B5EF4-FFF2-40B4-BE49-F238E27FC236}">
+                <a16:creationId xmlns:a16="http://schemas.microsoft.com/office/drawing/2014/main" id="{7532CF2F-BA66-8139-AADB-B2F20F5B580C}"/>
+              </a:ext>
+            </a:extLst>
+          </p:cNvPr>
+          <p:cNvSpPr txBox="1"/>
+          <p:nvPr/>
+        </p:nvSpPr>
+        <p:spPr>
+          <a:xfrm>
+            <a:off x="9340000" y="3196086"/>
+            <a:ext cx="1421736" cy="369332"/>
+          </a:xfrm>
+          <a:prstGeom prst="rect">
+            <a:avLst/>
+          </a:prstGeom>
+          <a:noFill/>
+        </p:spPr>
+        <p:txBody>
+          <a:bodyPr wrap="none" rtlCol="0">
+            <a:spAutoFit/>
+          </a:bodyPr>
+          <a:lstStyle/>
+          <a:p>
+            <a:r>
+              <a:rPr lang="en-GB" dirty="0"/>
+              <a:t>Task-relevant</a:t>
+            </a:r>
+          </a:p>
+        </p:txBody>
+      </p:sp>
+      <p:sp>
+        <p:nvSpPr>
+          <p:cNvPr id="29" name="TextBox 28">
+            <a:extLst>
+              <a:ext uri="{FF2B5EF4-FFF2-40B4-BE49-F238E27FC236}">
+                <a16:creationId xmlns:a16="http://schemas.microsoft.com/office/drawing/2014/main" id="{8F3926A3-E9B3-1508-D84B-603CED4D2556}"/>
+              </a:ext>
+            </a:extLst>
+          </p:cNvPr>
+          <p:cNvSpPr txBox="1"/>
+          <p:nvPr/>
+        </p:nvSpPr>
+        <p:spPr>
+          <a:xfrm>
+            <a:off x="1395438" y="3912702"/>
+            <a:ext cx="1090298" cy="369332"/>
+          </a:xfrm>
+          <a:prstGeom prst="rect">
+            <a:avLst/>
+          </a:prstGeom>
+          <a:noFill/>
+        </p:spPr>
+        <p:txBody>
+          <a:bodyPr wrap="none" rtlCol="0">
+            <a:spAutoFit/>
+          </a:bodyPr>
+          <a:lstStyle/>
+          <a:p>
+            <a:r>
+              <a:rPr lang="en-GB" dirty="0"/>
+              <a:t>Irrelevant</a:t>
+            </a:r>
+          </a:p>
+        </p:txBody>
+      </p:sp>
     </p:spTree>
     <p:extLst>
       <p:ext uri="{BB962C8B-B14F-4D97-AF65-F5344CB8AC3E}">
-        <p14:creationId xmlns:p14="http://schemas.microsoft.com/office/powerpoint/2010/main" val="3909849790"/>
+        <p14:creationId xmlns:p14="http://schemas.microsoft.com/office/powerpoint/2010/main" val="968615710"/>
       </p:ext>
     </p:extLst>
   </p:cSld>
@@ -3886,10 +6273,690 @@
       </p:grpSpPr>
       <p:pic>
         <p:nvPicPr>
+          <p:cNvPr id="2" name="Picture 1">
+            <a:extLst>
+              <a:ext uri="{FF2B5EF4-FFF2-40B4-BE49-F238E27FC236}">
+                <a16:creationId xmlns:a16="http://schemas.microsoft.com/office/drawing/2014/main" id="{558A92C5-0208-9540-64DC-C78DB4CB9B2D}"/>
+              </a:ext>
+            </a:extLst>
+          </p:cNvPr>
+          <p:cNvPicPr>
+            <a:picLocks noChangeAspect="1"/>
+          </p:cNvPicPr>
+          <p:nvPr/>
+        </p:nvPicPr>
+        <p:blipFill rotWithShape="1">
+          <a:blip r:embed="rId2"/>
+          <a:srcRect l="34627" r="51077"/>
+          <a:stretch/>
+        </p:blipFill>
+        <p:spPr>
+          <a:xfrm>
+            <a:off x="4740541" y="1351723"/>
+            <a:ext cx="1806123" cy="4731025"/>
+          </a:xfrm>
+          <a:prstGeom prst="rect">
+            <a:avLst/>
+          </a:prstGeom>
+        </p:spPr>
+      </p:pic>
+      <p:pic>
+        <p:nvPicPr>
+          <p:cNvPr id="11" name="Picture 10">
+            <a:extLst>
+              <a:ext uri="{FF2B5EF4-FFF2-40B4-BE49-F238E27FC236}">
+                <a16:creationId xmlns:a16="http://schemas.microsoft.com/office/drawing/2014/main" id="{FA5E4060-9E7C-66AA-798F-BC0A7E114C07}"/>
+              </a:ext>
+            </a:extLst>
+          </p:cNvPr>
+          <p:cNvPicPr>
+            <a:picLocks noChangeAspect="1"/>
+          </p:cNvPicPr>
+          <p:nvPr/>
+        </p:nvPicPr>
+        <p:blipFill rotWithShape="1">
+          <a:blip r:embed="rId2"/>
+          <a:srcRect l="-1" r="85705"/>
+          <a:stretch/>
+        </p:blipFill>
+        <p:spPr>
+          <a:xfrm>
+            <a:off x="473897" y="1351723"/>
+            <a:ext cx="1806122" cy="4731025"/>
+          </a:xfrm>
+          <a:prstGeom prst="rect">
+            <a:avLst/>
+          </a:prstGeom>
+        </p:spPr>
+      </p:pic>
+      <p:pic>
+        <p:nvPicPr>
+          <p:cNvPr id="12" name="Picture 11">
+            <a:extLst>
+              <a:ext uri="{FF2B5EF4-FFF2-40B4-BE49-F238E27FC236}">
+                <a16:creationId xmlns:a16="http://schemas.microsoft.com/office/drawing/2014/main" id="{D718271C-3152-E6B3-B9DC-069110890EFA}"/>
+              </a:ext>
+            </a:extLst>
+          </p:cNvPr>
+          <p:cNvPicPr>
+            <a:picLocks noChangeAspect="1"/>
+          </p:cNvPicPr>
+          <p:nvPr/>
+        </p:nvPicPr>
+        <p:blipFill rotWithShape="1">
+          <a:blip r:embed="rId2"/>
+          <a:srcRect l="16696" t="430" r="69008" b="-430"/>
+          <a:stretch/>
+        </p:blipFill>
+        <p:spPr>
+          <a:xfrm>
+            <a:off x="2109378" y="1372043"/>
+            <a:ext cx="1806122" cy="4731025"/>
+          </a:xfrm>
+          <a:prstGeom prst="rect">
+            <a:avLst/>
+          </a:prstGeom>
+        </p:spPr>
+      </p:pic>
+      <p:sp>
+        <p:nvSpPr>
+          <p:cNvPr id="3" name="TextBox 2">
+            <a:extLst>
+              <a:ext uri="{FF2B5EF4-FFF2-40B4-BE49-F238E27FC236}">
+                <a16:creationId xmlns:a16="http://schemas.microsoft.com/office/drawing/2014/main" id="{624AF36C-7AD5-E231-2313-6945AE0EE709}"/>
+              </a:ext>
+            </a:extLst>
+          </p:cNvPr>
+          <p:cNvSpPr txBox="1"/>
+          <p:nvPr/>
+        </p:nvSpPr>
+        <p:spPr>
+          <a:xfrm>
+            <a:off x="6546665" y="1868557"/>
+            <a:ext cx="1160895" cy="461665"/>
+          </a:xfrm>
+          <a:prstGeom prst="rect">
+            <a:avLst/>
+          </a:prstGeom>
+          <a:noFill/>
+        </p:spPr>
+        <p:txBody>
+          <a:bodyPr wrap="none" rtlCol="0">
+            <a:spAutoFit/>
+          </a:bodyPr>
+          <a:lstStyle/>
+          <a:p>
+            <a:r>
+              <a:rPr lang="en-GB" sz="2400" dirty="0"/>
+              <a:t>Original</a:t>
+            </a:r>
+          </a:p>
+        </p:txBody>
+      </p:sp>
+      <p:sp>
+        <p:nvSpPr>
+          <p:cNvPr id="5" name="TextBox 4">
+            <a:extLst>
+              <a:ext uri="{FF2B5EF4-FFF2-40B4-BE49-F238E27FC236}">
+                <a16:creationId xmlns:a16="http://schemas.microsoft.com/office/drawing/2014/main" id="{3CF37308-01DF-B1D7-45CA-B4723D72AAE4}"/>
+              </a:ext>
+            </a:extLst>
+          </p:cNvPr>
+          <p:cNvSpPr txBox="1"/>
+          <p:nvPr/>
+        </p:nvSpPr>
+        <p:spPr>
+          <a:xfrm>
+            <a:off x="6546665" y="3313044"/>
+            <a:ext cx="4131003" cy="461665"/>
+          </a:xfrm>
+          <a:prstGeom prst="rect">
+            <a:avLst/>
+          </a:prstGeom>
+          <a:noFill/>
+        </p:spPr>
+        <p:txBody>
+          <a:bodyPr wrap="none" rtlCol="0">
+            <a:spAutoFit/>
+          </a:bodyPr>
+          <a:lstStyle/>
+          <a:p>
+            <a:r>
+              <a:rPr lang="en-GB" sz="2400" dirty="0"/>
+              <a:t>+ </a:t>
+            </a:r>
+            <a:r>
+              <a:rPr lang="en-GB" sz="2400" b="1" dirty="0"/>
+              <a:t>regular</a:t>
+            </a:r>
+            <a:r>
+              <a:rPr lang="en-GB" sz="2400" dirty="0"/>
+              <a:t> irrelevant information</a:t>
+            </a:r>
+          </a:p>
+        </p:txBody>
+      </p:sp>
+      <p:sp>
+        <p:nvSpPr>
+          <p:cNvPr id="6" name="TextBox 5">
+            <a:extLst>
+              <a:ext uri="{FF2B5EF4-FFF2-40B4-BE49-F238E27FC236}">
+                <a16:creationId xmlns:a16="http://schemas.microsoft.com/office/drawing/2014/main" id="{E45E4A24-8C62-22E7-82B5-33D45989B834}"/>
+              </a:ext>
+            </a:extLst>
+          </p:cNvPr>
+          <p:cNvSpPr txBox="1"/>
+          <p:nvPr/>
+        </p:nvSpPr>
+        <p:spPr>
+          <a:xfrm>
+            <a:off x="6515948" y="4757531"/>
+            <a:ext cx="4222310" cy="461665"/>
+          </a:xfrm>
+          <a:prstGeom prst="rect">
+            <a:avLst/>
+          </a:prstGeom>
+          <a:noFill/>
+        </p:spPr>
+        <p:txBody>
+          <a:bodyPr wrap="none" rtlCol="0">
+            <a:spAutoFit/>
+          </a:bodyPr>
+          <a:lstStyle/>
+          <a:p>
+            <a:r>
+              <a:rPr lang="en-GB" sz="2400" dirty="0"/>
+              <a:t>+ </a:t>
+            </a:r>
+            <a:r>
+              <a:rPr lang="en-GB" sz="2400" b="1" dirty="0"/>
+              <a:t>random</a:t>
+            </a:r>
+            <a:r>
+              <a:rPr lang="en-GB" sz="2400" dirty="0"/>
+              <a:t> irrelevant information</a:t>
+            </a:r>
+          </a:p>
+        </p:txBody>
+      </p:sp>
+      <p:sp>
+        <p:nvSpPr>
+          <p:cNvPr id="7" name="TextBox 6">
+            <a:extLst>
+              <a:ext uri="{FF2B5EF4-FFF2-40B4-BE49-F238E27FC236}">
+                <a16:creationId xmlns:a16="http://schemas.microsoft.com/office/drawing/2014/main" id="{4BA8D407-C767-7CBF-1493-A184928D8E80}"/>
+              </a:ext>
+            </a:extLst>
+          </p:cNvPr>
+          <p:cNvSpPr txBox="1"/>
+          <p:nvPr/>
+        </p:nvSpPr>
+        <p:spPr>
+          <a:xfrm>
+            <a:off x="924560" y="1076960"/>
+            <a:ext cx="995680" cy="369332"/>
+          </a:xfrm>
+          <a:prstGeom prst="rect">
+            <a:avLst/>
+          </a:prstGeom>
+          <a:noFill/>
+        </p:spPr>
+        <p:txBody>
+          <a:bodyPr wrap="square" rtlCol="0">
+            <a:spAutoFit/>
+          </a:bodyPr>
+          <a:lstStyle/>
+          <a:p>
+            <a:r>
+              <a:rPr lang="en-GB" dirty="0"/>
+              <a:t>sample1</a:t>
+            </a:r>
+          </a:p>
+        </p:txBody>
+      </p:sp>
+      <p:sp>
+        <p:nvSpPr>
+          <p:cNvPr id="8" name="TextBox 7">
+            <a:extLst>
+              <a:ext uri="{FF2B5EF4-FFF2-40B4-BE49-F238E27FC236}">
+                <a16:creationId xmlns:a16="http://schemas.microsoft.com/office/drawing/2014/main" id="{F6D1582F-ED73-587C-BB4E-64985BF96CC2}"/>
+              </a:ext>
+            </a:extLst>
+          </p:cNvPr>
+          <p:cNvSpPr txBox="1"/>
+          <p:nvPr/>
+        </p:nvSpPr>
+        <p:spPr>
+          <a:xfrm>
+            <a:off x="2652661" y="1076960"/>
+            <a:ext cx="995680" cy="369332"/>
+          </a:xfrm>
+          <a:prstGeom prst="rect">
+            <a:avLst/>
+          </a:prstGeom>
+          <a:noFill/>
+        </p:spPr>
+        <p:txBody>
+          <a:bodyPr wrap="square" rtlCol="0">
+            <a:spAutoFit/>
+          </a:bodyPr>
+          <a:lstStyle/>
+          <a:p>
+            <a:r>
+              <a:rPr lang="en-GB" dirty="0"/>
+              <a:t>sample2</a:t>
+            </a:r>
+          </a:p>
+        </p:txBody>
+      </p:sp>
+      <p:sp>
+        <p:nvSpPr>
+          <p:cNvPr id="9" name="TextBox 8">
+            <a:extLst>
+              <a:ext uri="{FF2B5EF4-FFF2-40B4-BE49-F238E27FC236}">
+                <a16:creationId xmlns:a16="http://schemas.microsoft.com/office/drawing/2014/main" id="{4FED55B4-5BF6-2708-D208-903A0D8F9413}"/>
+              </a:ext>
+            </a:extLst>
+          </p:cNvPr>
+          <p:cNvSpPr txBox="1"/>
+          <p:nvPr/>
+        </p:nvSpPr>
+        <p:spPr>
+          <a:xfrm>
+            <a:off x="4956900" y="1109448"/>
+            <a:ext cx="1352460" cy="369332"/>
+          </a:xfrm>
+          <a:prstGeom prst="rect">
+            <a:avLst/>
+          </a:prstGeom>
+          <a:noFill/>
+        </p:spPr>
+        <p:txBody>
+          <a:bodyPr wrap="square" rtlCol="0">
+            <a:spAutoFit/>
+          </a:bodyPr>
+          <a:lstStyle/>
+          <a:p>
+            <a:r>
+              <a:rPr lang="en-GB" dirty="0"/>
+              <a:t>sample 60K </a:t>
+            </a:r>
+          </a:p>
+        </p:txBody>
+      </p:sp>
+      <p:sp>
+        <p:nvSpPr>
+          <p:cNvPr id="10" name="TextBox 9">
+            <a:extLst>
+              <a:ext uri="{FF2B5EF4-FFF2-40B4-BE49-F238E27FC236}">
+                <a16:creationId xmlns:a16="http://schemas.microsoft.com/office/drawing/2014/main" id="{4A0FE75E-B387-EB81-4787-FCA681309D85}"/>
+              </a:ext>
+            </a:extLst>
+          </p:cNvPr>
+          <p:cNvSpPr txBox="1"/>
+          <p:nvPr/>
+        </p:nvSpPr>
+        <p:spPr>
+          <a:xfrm>
+            <a:off x="365833" y="223520"/>
+            <a:ext cx="6299127" cy="369332"/>
+          </a:xfrm>
+          <a:prstGeom prst="rect">
+            <a:avLst/>
+          </a:prstGeom>
+          <a:noFill/>
+        </p:spPr>
+        <p:txBody>
+          <a:bodyPr wrap="square" rtlCol="0">
+            <a:spAutoFit/>
+          </a:bodyPr>
+          <a:lstStyle/>
+          <a:p>
+            <a:r>
+              <a:rPr lang="en-GB" b="1" dirty="0"/>
+              <a:t>MNIST dataset</a:t>
+            </a:r>
+            <a:r>
+              <a:rPr lang="en-GB" dirty="0"/>
+              <a:t> (train: 60K, test: 10K samples)</a:t>
+            </a:r>
+            <a:endParaRPr lang="en-GB" b="1" dirty="0"/>
+          </a:p>
+        </p:txBody>
+      </p:sp>
+      <p:sp>
+        <p:nvSpPr>
+          <p:cNvPr id="13" name="TextBox 12">
+            <a:extLst>
+              <a:ext uri="{FF2B5EF4-FFF2-40B4-BE49-F238E27FC236}">
+                <a16:creationId xmlns:a16="http://schemas.microsoft.com/office/drawing/2014/main" id="{B3831B22-96C6-4601-B72F-4F8469804236}"/>
+              </a:ext>
+            </a:extLst>
+          </p:cNvPr>
+          <p:cNvSpPr txBox="1"/>
+          <p:nvPr/>
+        </p:nvSpPr>
+        <p:spPr>
+          <a:xfrm>
+            <a:off x="4093821" y="3313044"/>
+            <a:ext cx="468398" cy="584775"/>
+          </a:xfrm>
+          <a:prstGeom prst="rect">
+            <a:avLst/>
+          </a:prstGeom>
+          <a:noFill/>
+        </p:spPr>
+        <p:txBody>
+          <a:bodyPr wrap="none" rtlCol="0">
+            <a:spAutoFit/>
+          </a:bodyPr>
+          <a:lstStyle/>
+          <a:p>
+            <a:r>
+              <a:rPr lang="en-GB" sz="3200" dirty="0"/>
+              <a:t>…</a:t>
+            </a:r>
+          </a:p>
+        </p:txBody>
+      </p:sp>
+    </p:spTree>
+    <p:extLst>
+      <p:ext uri="{BB962C8B-B14F-4D97-AF65-F5344CB8AC3E}">
+        <p14:creationId xmlns:p14="http://schemas.microsoft.com/office/powerpoint/2010/main" val="3659949387"/>
+      </p:ext>
+    </p:extLst>
+  </p:cSld>
+  <p:clrMapOvr>
+    <a:masterClrMapping/>
+  </p:clrMapOvr>
+</p:sld>
+</file>
+
+<file path=ppt/slides/slide5.xml><?xml version="1.0" encoding="utf-8"?>
+<p:sld xmlns:a="http://schemas.openxmlformats.org/drawingml/2006/main" xmlns:r="http://schemas.openxmlformats.org/officeDocument/2006/relationships" xmlns:p="http://schemas.openxmlformats.org/presentationml/2006/main">
+  <p:cSld>
+    <p:spTree>
+      <p:nvGrpSpPr>
+        <p:cNvPr id="1" name=""/>
+        <p:cNvGrpSpPr/>
+        <p:nvPr/>
+      </p:nvGrpSpPr>
+      <p:grpSpPr>
+        <a:xfrm>
+          <a:off x="0" y="0"/>
+          <a:ext cx="0" cy="0"/>
+          <a:chOff x="0" y="0"/>
+          <a:chExt cx="0" cy="0"/>
+        </a:xfrm>
+      </p:grpSpPr>
+      <p:pic>
+        <p:nvPicPr>
+          <p:cNvPr id="13" name="Picture 12">
+            <a:extLst>
+              <a:ext uri="{FF2B5EF4-FFF2-40B4-BE49-F238E27FC236}">
+                <a16:creationId xmlns:a16="http://schemas.microsoft.com/office/drawing/2014/main" id="{8189B73E-CC81-2F00-B80F-353C792F9C02}"/>
+              </a:ext>
+            </a:extLst>
+          </p:cNvPr>
+          <p:cNvPicPr>
+            <a:picLocks noChangeAspect="1"/>
+          </p:cNvPicPr>
+          <p:nvPr/>
+        </p:nvPicPr>
+        <p:blipFill rotWithShape="1">
+          <a:blip r:embed="rId2"/>
+          <a:srcRect l="33449" t="2262" r="52149" b="63226"/>
+          <a:stretch/>
+        </p:blipFill>
+        <p:spPr>
+          <a:xfrm>
+            <a:off x="8965992" y="2949574"/>
+            <a:ext cx="2077840" cy="1830154"/>
+          </a:xfrm>
+          <a:prstGeom prst="rect">
+            <a:avLst/>
+          </a:prstGeom>
+        </p:spPr>
+      </p:pic>
+      <p:pic>
+        <p:nvPicPr>
+          <p:cNvPr id="14" name="Picture 13">
+            <a:extLst>
+              <a:ext uri="{FF2B5EF4-FFF2-40B4-BE49-F238E27FC236}">
+                <a16:creationId xmlns:a16="http://schemas.microsoft.com/office/drawing/2014/main" id="{CE2A0D11-EB17-0460-371B-3D8042036322}"/>
+              </a:ext>
+            </a:extLst>
+          </p:cNvPr>
+          <p:cNvPicPr>
+            <a:picLocks noChangeAspect="1"/>
+          </p:cNvPicPr>
+          <p:nvPr/>
+        </p:nvPicPr>
+        <p:blipFill rotWithShape="1">
+          <a:blip r:embed="rId2"/>
+          <a:srcRect l="33643" t="35347" r="51955" b="33026"/>
+          <a:stretch/>
+        </p:blipFill>
+        <p:spPr>
+          <a:xfrm>
+            <a:off x="848277" y="3000463"/>
+            <a:ext cx="2118112" cy="1709692"/>
+          </a:xfrm>
+          <a:prstGeom prst="rect">
+            <a:avLst/>
+          </a:prstGeom>
+        </p:spPr>
+      </p:pic>
+      <p:pic>
+        <p:nvPicPr>
+          <p:cNvPr id="12" name="Picture 11">
+            <a:extLst>
+              <a:ext uri="{FF2B5EF4-FFF2-40B4-BE49-F238E27FC236}">
+                <a16:creationId xmlns:a16="http://schemas.microsoft.com/office/drawing/2014/main" id="{73941188-3144-5A75-EE5B-3B7946FEF756}"/>
+              </a:ext>
+            </a:extLst>
+          </p:cNvPr>
+          <p:cNvPicPr>
+            <a:picLocks noChangeAspect="1"/>
+          </p:cNvPicPr>
+          <p:nvPr/>
+        </p:nvPicPr>
+        <p:blipFill>
+          <a:blip r:embed="rId3"/>
+          <a:stretch>
+            <a:fillRect/>
+          </a:stretch>
+        </p:blipFill>
+        <p:spPr>
+          <a:xfrm>
+            <a:off x="3109460" y="1469414"/>
+            <a:ext cx="5973079" cy="4509477"/>
+          </a:xfrm>
+          <a:prstGeom prst="rect">
+            <a:avLst/>
+          </a:prstGeom>
+        </p:spPr>
+      </p:pic>
+      <p:sp>
+        <p:nvSpPr>
+          <p:cNvPr id="19" name="TextBox 18">
+            <a:extLst>
+              <a:ext uri="{FF2B5EF4-FFF2-40B4-BE49-F238E27FC236}">
+                <a16:creationId xmlns:a16="http://schemas.microsoft.com/office/drawing/2014/main" id="{10C8AA95-1D08-BA64-1E75-70507FD0A7F9}"/>
+              </a:ext>
+            </a:extLst>
+          </p:cNvPr>
+          <p:cNvSpPr txBox="1"/>
+          <p:nvPr/>
+        </p:nvSpPr>
+        <p:spPr>
+          <a:xfrm>
+            <a:off x="787940" y="204281"/>
+            <a:ext cx="4762842" cy="461665"/>
+          </a:xfrm>
+          <a:prstGeom prst="rect">
+            <a:avLst/>
+          </a:prstGeom>
+          <a:noFill/>
+        </p:spPr>
+        <p:txBody>
+          <a:bodyPr wrap="none" rtlCol="0">
+            <a:spAutoFit/>
+          </a:bodyPr>
+          <a:lstStyle/>
+          <a:p>
+            <a:r>
+              <a:rPr lang="en-GB" sz="2400" b="1" i="1" dirty="0">
+                <a:solidFill>
+                  <a:srgbClr val="000305"/>
+                </a:solidFill>
+                <a:effectLst/>
+                <a:latin typeface="Source Sans Pro" panose="020B0503030403020204" pitchFamily="34" charset="0"/>
+              </a:rPr>
+              <a:t>AutoEncoders,</a:t>
+            </a:r>
+            <a:r>
+              <a:rPr lang="en-GB" sz="2000" b="0" i="1" dirty="0">
+                <a:solidFill>
+                  <a:srgbClr val="000305"/>
+                </a:solidFill>
+                <a:effectLst/>
+                <a:latin typeface="Source Sans Pro" panose="020B0503030403020204" pitchFamily="34" charset="0"/>
+              </a:rPr>
+              <a:t> self-supervised machines</a:t>
+            </a:r>
+            <a:endParaRPr lang="en-GB" sz="2000" dirty="0"/>
+          </a:p>
+        </p:txBody>
+      </p:sp>
+      <p:sp>
+        <p:nvSpPr>
+          <p:cNvPr id="7" name="Arrow: Right 6">
+            <a:extLst>
+              <a:ext uri="{FF2B5EF4-FFF2-40B4-BE49-F238E27FC236}">
+                <a16:creationId xmlns:a16="http://schemas.microsoft.com/office/drawing/2014/main" id="{424CEB5F-EBCD-7E7D-83E5-22BA97E924AA}"/>
+              </a:ext>
+            </a:extLst>
+          </p:cNvPr>
+          <p:cNvSpPr/>
+          <p:nvPr/>
+        </p:nvSpPr>
+        <p:spPr>
+          <a:xfrm>
+            <a:off x="2823317" y="3565418"/>
+            <a:ext cx="545164" cy="289891"/>
+          </a:xfrm>
+          <a:prstGeom prst="rightArrow">
+            <a:avLst/>
+          </a:prstGeom>
+        </p:spPr>
+        <p:style>
+          <a:lnRef idx="2">
+            <a:schemeClr val="dk1">
+              <a:shade val="50000"/>
+            </a:schemeClr>
+          </a:lnRef>
+          <a:fillRef idx="1">
+            <a:schemeClr val="dk1"/>
+          </a:fillRef>
+          <a:effectRef idx="0">
+            <a:schemeClr val="dk1"/>
+          </a:effectRef>
+          <a:fontRef idx="minor">
+            <a:schemeClr val="lt1"/>
+          </a:fontRef>
+        </p:style>
+        <p:txBody>
+          <a:bodyPr rtlCol="0" anchor="ctr"/>
+          <a:lstStyle/>
+          <a:p>
+            <a:pPr algn="ctr"/>
+            <a:endParaRPr lang="en-GB"/>
+          </a:p>
+        </p:txBody>
+      </p:sp>
+      <p:sp>
+        <p:nvSpPr>
+          <p:cNvPr id="26" name="Arrow: Right 25">
+            <a:extLst>
+              <a:ext uri="{FF2B5EF4-FFF2-40B4-BE49-F238E27FC236}">
+                <a16:creationId xmlns:a16="http://schemas.microsoft.com/office/drawing/2014/main" id="{BE203138-CA32-19FB-63C8-DC80A1F0DDF9}"/>
+              </a:ext>
+            </a:extLst>
+          </p:cNvPr>
+          <p:cNvSpPr/>
+          <p:nvPr/>
+        </p:nvSpPr>
+        <p:spPr>
+          <a:xfrm>
+            <a:off x="8647337" y="3635453"/>
+            <a:ext cx="545164" cy="289891"/>
+          </a:xfrm>
+          <a:prstGeom prst="rightArrow">
+            <a:avLst/>
+          </a:prstGeom>
+        </p:spPr>
+        <p:style>
+          <a:lnRef idx="2">
+            <a:schemeClr val="dk1">
+              <a:shade val="50000"/>
+            </a:schemeClr>
+          </a:lnRef>
+          <a:fillRef idx="1">
+            <a:schemeClr val="dk1"/>
+          </a:fillRef>
+          <a:effectRef idx="0">
+            <a:schemeClr val="dk1"/>
+          </a:effectRef>
+          <a:fontRef idx="minor">
+            <a:schemeClr val="lt1"/>
+          </a:fontRef>
+        </p:style>
+        <p:txBody>
+          <a:bodyPr rtlCol="0" anchor="ctr"/>
+          <a:lstStyle/>
+          <a:p>
+            <a:pPr algn="ctr"/>
+            <a:endParaRPr lang="en-GB"/>
+          </a:p>
+        </p:txBody>
+      </p:sp>
+    </p:spTree>
+    <p:extLst>
+      <p:ext uri="{BB962C8B-B14F-4D97-AF65-F5344CB8AC3E}">
+        <p14:creationId xmlns:p14="http://schemas.microsoft.com/office/powerpoint/2010/main" val="4212018555"/>
+      </p:ext>
+    </p:extLst>
+  </p:cSld>
+  <p:clrMapOvr>
+    <a:masterClrMapping/>
+  </p:clrMapOvr>
+</p:sld>
+</file>
+
+<file path=ppt/slides/slide6.xml><?xml version="1.0" encoding="utf-8"?>
+<p:sld xmlns:a="http://schemas.openxmlformats.org/drawingml/2006/main" xmlns:r="http://schemas.openxmlformats.org/officeDocument/2006/relationships" xmlns:p="http://schemas.openxmlformats.org/presentationml/2006/main">
+  <p:cSld>
+    <p:spTree>
+      <p:nvGrpSpPr>
+        <p:cNvPr id="1" name=""/>
+        <p:cNvGrpSpPr/>
+        <p:nvPr/>
+      </p:nvGrpSpPr>
+      <p:grpSpPr>
+        <a:xfrm>
+          <a:off x="0" y="0"/>
+          <a:ext cx="0" cy="0"/>
+          <a:chOff x="0" y="0"/>
+          <a:chExt cx="0" cy="0"/>
+        </a:xfrm>
+      </p:grpSpPr>
+      <p:pic>
+        <p:nvPicPr>
           <p:cNvPr id="3" name="Picture 2">
             <a:extLst>
               <a:ext uri="{FF2B5EF4-FFF2-40B4-BE49-F238E27FC236}">
-                <a16:creationId xmlns:a16="http://schemas.microsoft.com/office/drawing/2014/main" id="{8C28C374-8253-10A8-8896-8BADDB319964}"/>
+                <a16:creationId xmlns:a16="http://schemas.microsoft.com/office/drawing/2014/main" id="{4C11285B-87CF-C547-ACC8-8676DE9A9251}"/>
               </a:ext>
             </a:extLst>
           </p:cNvPr>
@@ -3906,55 +6973,20 @@
         </p:blipFill>
         <p:spPr>
           <a:xfrm>
-            <a:off x="6309360" y="2011679"/>
-            <a:ext cx="5665213" cy="1269319"/>
+            <a:off x="4013891" y="852866"/>
+            <a:ext cx="3731513" cy="2817169"/>
           </a:xfrm>
           <a:prstGeom prst="rect">
             <a:avLst/>
           </a:prstGeom>
         </p:spPr>
       </p:pic>
-      <p:sp>
-        <p:nvSpPr>
-          <p:cNvPr id="4" name="TextBox 3">
-            <a:extLst>
-              <a:ext uri="{FF2B5EF4-FFF2-40B4-BE49-F238E27FC236}">
-                <a16:creationId xmlns:a16="http://schemas.microsoft.com/office/drawing/2014/main" id="{3BD67761-68C9-08C5-D8FC-A5F68FC2ECFB}"/>
-              </a:ext>
-            </a:extLst>
-          </p:cNvPr>
-          <p:cNvSpPr txBox="1"/>
-          <p:nvPr/>
-        </p:nvSpPr>
-        <p:spPr>
-          <a:xfrm>
-            <a:off x="6705600" y="1467162"/>
-            <a:ext cx="3189912" cy="369332"/>
-          </a:xfrm>
-          <a:prstGeom prst="rect">
-            <a:avLst/>
-          </a:prstGeom>
-          <a:noFill/>
-        </p:spPr>
-        <p:txBody>
-          <a:bodyPr wrap="none" rtlCol="0">
-            <a:spAutoFit/>
-          </a:bodyPr>
-          <a:lstStyle/>
-          <a:p>
-            <a:r>
-              <a:rPr lang="en-GB" dirty="0"/>
-              <a:t>Train on regular, test on random</a:t>
-            </a:r>
-          </a:p>
-        </p:txBody>
-      </p:sp>
       <p:pic>
         <p:nvPicPr>
           <p:cNvPr id="6" name="Picture 5">
             <a:extLst>
               <a:ext uri="{FF2B5EF4-FFF2-40B4-BE49-F238E27FC236}">
-                <a16:creationId xmlns:a16="http://schemas.microsoft.com/office/drawing/2014/main" id="{23143EEF-D29E-6845-7B6A-3858106DAD79}"/>
+                <a16:creationId xmlns:a16="http://schemas.microsoft.com/office/drawing/2014/main" id="{D1D37918-FD7E-BB25-46CB-6062DE640897}"/>
               </a:ext>
             </a:extLst>
           </p:cNvPr>
@@ -3964,72 +6996,39 @@
           <p:nvPr/>
         </p:nvPicPr>
         <p:blipFill>
-          <a:blip r:embed="rId3"/>
+          <a:blip r:embed="rId2"/>
           <a:stretch>
             <a:fillRect/>
           </a:stretch>
         </p:blipFill>
         <p:spPr>
           <a:xfrm>
-            <a:off x="6309360" y="4070228"/>
-            <a:ext cx="5666667" cy="1273932"/>
+            <a:off x="4013891" y="4013157"/>
+            <a:ext cx="3731513" cy="2817169"/>
           </a:xfrm>
           <a:prstGeom prst="rect">
             <a:avLst/>
           </a:prstGeom>
         </p:spPr>
       </p:pic>
-      <p:sp>
-        <p:nvSpPr>
-          <p:cNvPr id="7" name="TextBox 6">
-            <a:extLst>
-              <a:ext uri="{FF2B5EF4-FFF2-40B4-BE49-F238E27FC236}">
-                <a16:creationId xmlns:a16="http://schemas.microsoft.com/office/drawing/2014/main" id="{C0CC801D-AB12-E2E5-C467-4F518D055FF8}"/>
-              </a:ext>
-            </a:extLst>
-          </p:cNvPr>
-          <p:cNvSpPr txBox="1"/>
-          <p:nvPr/>
-        </p:nvSpPr>
-        <p:spPr>
-          <a:xfrm>
-            <a:off x="6736080" y="3655133"/>
-            <a:ext cx="3209725" cy="369332"/>
-          </a:xfrm>
-          <a:prstGeom prst="rect">
-            <a:avLst/>
-          </a:prstGeom>
-          <a:noFill/>
-        </p:spPr>
-        <p:txBody>
-          <a:bodyPr wrap="none" rtlCol="0">
-            <a:spAutoFit/>
-          </a:bodyPr>
-          <a:lstStyle/>
-          <a:p>
-            <a:r>
-              <a:rPr lang="en-GB" dirty="0"/>
-              <a:t>Train on random, test on regular</a:t>
-            </a:r>
-          </a:p>
-        </p:txBody>
-      </p:sp>
       <p:cxnSp>
         <p:nvCxnSpPr>
-          <p:cNvPr id="9" name="Straight Connector 8">
-            <a:extLst>
-              <a:ext uri="{FF2B5EF4-FFF2-40B4-BE49-F238E27FC236}">
-                <a16:creationId xmlns:a16="http://schemas.microsoft.com/office/drawing/2014/main" id="{81F16585-607D-7C46-06BC-425732EE9F8A}"/>
-              </a:ext>
-            </a:extLst>
-          </p:cNvPr>
-          <p:cNvCxnSpPr/>
+          <p:cNvPr id="8" name="Straight Connector 7">
+            <a:extLst>
+              <a:ext uri="{FF2B5EF4-FFF2-40B4-BE49-F238E27FC236}">
+                <a16:creationId xmlns:a16="http://schemas.microsoft.com/office/drawing/2014/main" id="{52E65039-C621-E478-0649-DE7210CFEE31}"/>
+              </a:ext>
+            </a:extLst>
+          </p:cNvPr>
+          <p:cNvCxnSpPr>
+            <a:cxnSpLocks/>
+          </p:cNvCxnSpPr>
           <p:nvPr/>
         </p:nvCxnSpPr>
         <p:spPr>
-          <a:xfrm>
-            <a:off x="6096000" y="1168400"/>
-            <a:ext cx="0" cy="4886960"/>
+          <a:xfrm flipV="1">
+            <a:off x="143764" y="3753145"/>
+            <a:ext cx="11880000" cy="0"/>
           </a:xfrm>
           <a:prstGeom prst="line">
             <a:avLst/>
@@ -4052,10 +7051,10 @@
       </p:cxnSp>
       <p:sp>
         <p:nvSpPr>
-          <p:cNvPr id="12" name="TextBox 11">
-            <a:extLst>
-              <a:ext uri="{FF2B5EF4-FFF2-40B4-BE49-F238E27FC236}">
-                <a16:creationId xmlns:a16="http://schemas.microsoft.com/office/drawing/2014/main" id="{2E9FEC6C-DEA5-917D-57A1-271D30E80F06}"/>
+          <p:cNvPr id="9" name="TextBox 8">
+            <a:extLst>
+              <a:ext uri="{FF2B5EF4-FFF2-40B4-BE49-F238E27FC236}">
+                <a16:creationId xmlns:a16="http://schemas.microsoft.com/office/drawing/2014/main" id="{5F5F85FC-5272-8ACD-3B71-06109A7BDDBF}"/>
               </a:ext>
             </a:extLst>
           </p:cNvPr>
@@ -4064,8 +7063,8 @@
         </p:nvSpPr>
         <p:spPr>
           <a:xfrm>
-            <a:off x="1006332" y="420443"/>
-            <a:ext cx="3768867" cy="646331"/>
+            <a:off x="922397" y="1905506"/>
+            <a:ext cx="885114" cy="3785652"/>
           </a:xfrm>
           <a:prstGeom prst="rect">
             <a:avLst/>
@@ -4073,62 +7072,145 @@
           <a:noFill/>
         </p:spPr>
         <p:txBody>
-          <a:bodyPr wrap="square" rtlCol="0">
+          <a:bodyPr wrap="none" rtlCol="0">
             <a:spAutoFit/>
           </a:bodyPr>
           <a:lstStyle/>
           <a:p>
             <a:r>
-              <a:rPr lang="en-GB" dirty="0"/>
-              <a:t>Train and test on regular (loss 0.1463)</a:t>
-            </a:r>
-          </a:p>
-          <a:p>
-            <a:endParaRPr lang="en-GB" dirty="0"/>
-          </a:p>
-        </p:txBody>
-      </p:sp>
-      <p:sp>
-        <p:nvSpPr>
-          <p:cNvPr id="13" name="TextBox 12">
-            <a:extLst>
-              <a:ext uri="{FF2B5EF4-FFF2-40B4-BE49-F238E27FC236}">
-                <a16:creationId xmlns:a16="http://schemas.microsoft.com/office/drawing/2014/main" id="{2D72D917-92F4-FB57-A5E4-5A9734BB94F3}"/>
-              </a:ext>
-            </a:extLst>
-          </p:cNvPr>
-          <p:cNvSpPr txBox="1"/>
-          <p:nvPr/>
-        </p:nvSpPr>
-        <p:spPr>
-          <a:xfrm>
-            <a:off x="1006332" y="3648268"/>
-            <a:ext cx="4236225" cy="369332"/>
+              <a:rPr lang="en-US" sz="2400" b="1" dirty="0"/>
+              <a:t>T</a:t>
+            </a:r>
+            <a:r>
+              <a:rPr lang="en-GB" sz="2400" b="1" dirty="0"/>
+              <a:t>rain </a:t>
+            </a:r>
+          </a:p>
+          <a:p>
+            <a:endParaRPr lang="en-GB" sz="2400" b="1" dirty="0"/>
+          </a:p>
+          <a:p>
+            <a:endParaRPr lang="en-GB" sz="2400" b="1" dirty="0"/>
+          </a:p>
+          <a:p>
+            <a:endParaRPr lang="en-GB" sz="2400" b="1" dirty="0"/>
+          </a:p>
+          <a:p>
+            <a:endParaRPr lang="en-GB" sz="2400" b="1" dirty="0"/>
+          </a:p>
+          <a:p>
+            <a:endParaRPr lang="en-GB" sz="2400" b="1" dirty="0"/>
+          </a:p>
+          <a:p>
+            <a:endParaRPr lang="en-GB" sz="2400" b="1" dirty="0"/>
+          </a:p>
+          <a:p>
+            <a:endParaRPr lang="en-GB" sz="2400" b="1" dirty="0"/>
+          </a:p>
+          <a:p>
+            <a:endParaRPr lang="en-GB" sz="2400" b="1" dirty="0"/>
+          </a:p>
+          <a:p>
+            <a:r>
+              <a:rPr lang="en-GB" sz="2400" b="1" dirty="0"/>
+              <a:t>Test</a:t>
+            </a:r>
+          </a:p>
+        </p:txBody>
+      </p:sp>
+      <p:pic>
+        <p:nvPicPr>
+          <p:cNvPr id="10" name="Picture 9">
+            <a:extLst>
+              <a:ext uri="{FF2B5EF4-FFF2-40B4-BE49-F238E27FC236}">
+                <a16:creationId xmlns:a16="http://schemas.microsoft.com/office/drawing/2014/main" id="{D79C19C3-AEC9-51CB-8D7C-7E82F3CA0698}"/>
+              </a:ext>
+            </a:extLst>
+          </p:cNvPr>
+          <p:cNvPicPr>
+            <a:picLocks noChangeAspect="1"/>
+          </p:cNvPicPr>
+          <p:nvPr/>
+        </p:nvPicPr>
+        <p:blipFill rotWithShape="1">
+          <a:blip r:embed="rId3"/>
+          <a:srcRect l="-725" t="34413" r="86323" b="33959"/>
+          <a:stretch/>
+        </p:blipFill>
+        <p:spPr>
+          <a:xfrm>
+            <a:off x="2336847" y="4846968"/>
+            <a:ext cx="1681735" cy="1357458"/>
           </a:xfrm>
           <a:prstGeom prst="rect">
             <a:avLst/>
           </a:prstGeom>
-          <a:noFill/>
-        </p:spPr>
-        <p:txBody>
-          <a:bodyPr wrap="square" rtlCol="0">
-            <a:spAutoFit/>
-          </a:bodyPr>
-          <a:lstStyle/>
-          <a:p>
-            <a:r>
-              <a:rPr lang="en-GB" dirty="0"/>
-              <a:t>Train and test on random (loss 0.1457)</a:t>
-            </a:r>
-          </a:p>
-        </p:txBody>
-      </p:sp>
+        </p:spPr>
+      </p:pic>
+      <p:pic>
+        <p:nvPicPr>
+          <p:cNvPr id="12" name="Picture 11">
+            <a:extLst>
+              <a:ext uri="{FF2B5EF4-FFF2-40B4-BE49-F238E27FC236}">
+                <a16:creationId xmlns:a16="http://schemas.microsoft.com/office/drawing/2014/main" id="{146AB2E7-DEA3-0758-289C-73DDB9C2C669}"/>
+              </a:ext>
+            </a:extLst>
+          </p:cNvPr>
+          <p:cNvPicPr>
+            <a:picLocks noChangeAspect="1"/>
+          </p:cNvPicPr>
+          <p:nvPr/>
+        </p:nvPicPr>
+        <p:blipFill rotWithShape="1">
+          <a:blip r:embed="rId3"/>
+          <a:srcRect l="33449" t="2262" r="52149" b="63226"/>
+          <a:stretch/>
+        </p:blipFill>
+        <p:spPr>
+          <a:xfrm>
+            <a:off x="7582243" y="1446005"/>
+            <a:ext cx="1681735" cy="1481266"/>
+          </a:xfrm>
+          <a:prstGeom prst="rect">
+            <a:avLst/>
+          </a:prstGeom>
+        </p:spPr>
+      </p:pic>
+      <p:pic>
+        <p:nvPicPr>
+          <p:cNvPr id="14" name="Picture 13">
+            <a:extLst>
+              <a:ext uri="{FF2B5EF4-FFF2-40B4-BE49-F238E27FC236}">
+                <a16:creationId xmlns:a16="http://schemas.microsoft.com/office/drawing/2014/main" id="{CD43F68B-0F75-5388-0704-26D8042203BB}"/>
+              </a:ext>
+            </a:extLst>
+          </p:cNvPr>
+          <p:cNvPicPr>
+            <a:picLocks noChangeAspect="1"/>
+          </p:cNvPicPr>
+          <p:nvPr/>
+        </p:nvPicPr>
+        <p:blipFill rotWithShape="1">
+          <a:blip r:embed="rId3"/>
+          <a:srcRect l="-856" t="66381" r="86454" b="857"/>
+          <a:stretch/>
+        </p:blipFill>
+        <p:spPr>
+          <a:xfrm>
+            <a:off x="7621998" y="4881304"/>
+            <a:ext cx="1681735" cy="1406165"/>
+          </a:xfrm>
+          <a:prstGeom prst="rect">
+            <a:avLst/>
+          </a:prstGeom>
+        </p:spPr>
+      </p:pic>
       <p:pic>
         <p:nvPicPr>
           <p:cNvPr id="15" name="Picture 14">
             <a:extLst>
               <a:ext uri="{FF2B5EF4-FFF2-40B4-BE49-F238E27FC236}">
-                <a16:creationId xmlns:a16="http://schemas.microsoft.com/office/drawing/2014/main" id="{26548BE0-CE47-49AB-56FC-2C29622B5AFC}"/>
+                <a16:creationId xmlns:a16="http://schemas.microsoft.com/office/drawing/2014/main" id="{9F09FDB1-08DE-A651-A08C-D5489A73A7C2}"/>
               </a:ext>
             </a:extLst>
           </p:cNvPr>
@@ -4137,28 +7219,533 @@
           </p:cNvPicPr>
           <p:nvPr/>
         </p:nvPicPr>
+        <p:blipFill rotWithShape="1">
+          <a:blip r:embed="rId3"/>
+          <a:srcRect l="33643" t="35347" r="51955" b="33026"/>
+          <a:stretch/>
+        </p:blipFill>
+        <p:spPr>
+          <a:xfrm>
+            <a:off x="2336848" y="1507909"/>
+            <a:ext cx="1681735" cy="1357458"/>
+          </a:xfrm>
+          <a:prstGeom prst="rect">
+            <a:avLst/>
+          </a:prstGeom>
+        </p:spPr>
+      </p:pic>
+      <p:pic>
+        <p:nvPicPr>
+          <p:cNvPr id="18" name="Picture 17">
+            <a:extLst>
+              <a:ext uri="{FF2B5EF4-FFF2-40B4-BE49-F238E27FC236}">
+                <a16:creationId xmlns:a16="http://schemas.microsoft.com/office/drawing/2014/main" id="{473A1A03-7985-A0B6-9FB1-2504CCC1CFBE}"/>
+              </a:ext>
+            </a:extLst>
+          </p:cNvPr>
+          <p:cNvPicPr>
+            <a:picLocks noChangeAspect="1"/>
+          </p:cNvPicPr>
+          <p:nvPr/>
+        </p:nvPicPr>
+        <p:blipFill rotWithShape="1">
+          <a:blip r:embed="rId3"/>
+          <a:srcRect l="-1189" t="3551" r="86787" b="63687"/>
+          <a:stretch/>
+        </p:blipFill>
+        <p:spPr>
+          <a:xfrm>
+            <a:off x="9609389" y="4881689"/>
+            <a:ext cx="1681735" cy="1406165"/>
+          </a:xfrm>
+          <a:prstGeom prst="rect">
+            <a:avLst/>
+          </a:prstGeom>
+        </p:spPr>
+      </p:pic>
+      <p:sp>
+        <p:nvSpPr>
+          <p:cNvPr id="2" name="TextBox 1">
+            <a:extLst>
+              <a:ext uri="{FF2B5EF4-FFF2-40B4-BE49-F238E27FC236}">
+                <a16:creationId xmlns:a16="http://schemas.microsoft.com/office/drawing/2014/main" id="{69E0FF28-1526-51F3-8A70-2A1E09C857DF}"/>
+              </a:ext>
+            </a:extLst>
+          </p:cNvPr>
+          <p:cNvSpPr txBox="1"/>
+          <p:nvPr/>
+        </p:nvSpPr>
+        <p:spPr>
+          <a:xfrm>
+            <a:off x="7979718" y="1219784"/>
+            <a:ext cx="939681" cy="369332"/>
+          </a:xfrm>
+          <a:prstGeom prst="rect">
+            <a:avLst/>
+          </a:prstGeom>
+          <a:noFill/>
+        </p:spPr>
+        <p:txBody>
+          <a:bodyPr wrap="none" rtlCol="0">
+            <a:spAutoFit/>
+          </a:bodyPr>
+          <a:lstStyle/>
+          <a:p>
+            <a:r>
+              <a:rPr lang="en-GB" dirty="0"/>
+              <a:t>original </a:t>
+            </a:r>
+          </a:p>
+        </p:txBody>
+      </p:sp>
+      <p:sp>
+        <p:nvSpPr>
+          <p:cNvPr id="19" name="TextBox 18">
+            <a:extLst>
+              <a:ext uri="{FF2B5EF4-FFF2-40B4-BE49-F238E27FC236}">
+                <a16:creationId xmlns:a16="http://schemas.microsoft.com/office/drawing/2014/main" id="{67F054C5-1651-DE9E-142D-9CFA043B2FDD}"/>
+              </a:ext>
+            </a:extLst>
+          </p:cNvPr>
+          <p:cNvSpPr txBox="1"/>
+          <p:nvPr/>
+        </p:nvSpPr>
+        <p:spPr>
+          <a:xfrm>
+            <a:off x="10067922" y="4535093"/>
+            <a:ext cx="939681" cy="369332"/>
+          </a:xfrm>
+          <a:prstGeom prst="rect">
+            <a:avLst/>
+          </a:prstGeom>
+          <a:noFill/>
+        </p:spPr>
+        <p:txBody>
+          <a:bodyPr wrap="none" rtlCol="0">
+            <a:spAutoFit/>
+          </a:bodyPr>
+          <a:lstStyle/>
+          <a:p>
+            <a:r>
+              <a:rPr lang="en-GB" dirty="0"/>
+              <a:t>original </a:t>
+            </a:r>
+          </a:p>
+        </p:txBody>
+      </p:sp>
+      <p:cxnSp>
+        <p:nvCxnSpPr>
+          <p:cNvPr id="5" name="Straight Connector 4">
+            <a:extLst>
+              <a:ext uri="{FF2B5EF4-FFF2-40B4-BE49-F238E27FC236}">
+                <a16:creationId xmlns:a16="http://schemas.microsoft.com/office/drawing/2014/main" id="{77D5B9A8-7BFD-D91A-EE6E-596E77B55465}"/>
+              </a:ext>
+            </a:extLst>
+          </p:cNvPr>
+          <p:cNvCxnSpPr/>
+          <p:nvPr/>
+        </p:nvCxnSpPr>
+        <p:spPr>
+          <a:xfrm>
+            <a:off x="9435830" y="4416359"/>
+            <a:ext cx="0" cy="2149813"/>
+          </a:xfrm>
+          <a:prstGeom prst="line">
+            <a:avLst/>
+          </a:prstGeom>
+          <a:ln>
+            <a:prstDash val="dash"/>
+          </a:ln>
+        </p:spPr>
+        <p:style>
+          <a:lnRef idx="1">
+            <a:schemeClr val="dk1"/>
+          </a:lnRef>
+          <a:fillRef idx="0">
+            <a:schemeClr val="dk1"/>
+          </a:fillRef>
+          <a:effectRef idx="0">
+            <a:schemeClr val="dk1"/>
+          </a:effectRef>
+          <a:fontRef idx="minor">
+            <a:schemeClr val="tx1"/>
+          </a:fontRef>
+        </p:style>
+      </p:cxnSp>
+      <p:sp>
+        <p:nvSpPr>
+          <p:cNvPr id="7" name="TextBox 6">
+            <a:extLst>
+              <a:ext uri="{FF2B5EF4-FFF2-40B4-BE49-F238E27FC236}">
+                <a16:creationId xmlns:a16="http://schemas.microsoft.com/office/drawing/2014/main" id="{07676CCE-A229-1D9D-ECB4-1D98CF6A465B}"/>
+              </a:ext>
+            </a:extLst>
+          </p:cNvPr>
+          <p:cNvSpPr txBox="1"/>
+          <p:nvPr/>
+        </p:nvSpPr>
+        <p:spPr>
+          <a:xfrm>
+            <a:off x="787940" y="204281"/>
+            <a:ext cx="4762842" cy="461665"/>
+          </a:xfrm>
+          <a:prstGeom prst="rect">
+            <a:avLst/>
+          </a:prstGeom>
+          <a:noFill/>
+        </p:spPr>
+        <p:txBody>
+          <a:bodyPr wrap="none" rtlCol="0">
+            <a:spAutoFit/>
+          </a:bodyPr>
+          <a:lstStyle/>
+          <a:p>
+            <a:r>
+              <a:rPr lang="en-GB" sz="2400" b="1" i="1" dirty="0">
+                <a:solidFill>
+                  <a:srgbClr val="000305"/>
+                </a:solidFill>
+                <a:effectLst/>
+                <a:latin typeface="Source Sans Pro" panose="020B0503030403020204" pitchFamily="34" charset="0"/>
+              </a:rPr>
+              <a:t>AutoEncoders,</a:t>
+            </a:r>
+            <a:r>
+              <a:rPr lang="en-GB" sz="2000" b="0" i="1" dirty="0">
+                <a:solidFill>
+                  <a:srgbClr val="000305"/>
+                </a:solidFill>
+                <a:effectLst/>
+                <a:latin typeface="Source Sans Pro" panose="020B0503030403020204" pitchFamily="34" charset="0"/>
+              </a:rPr>
+              <a:t> self-supervised machines</a:t>
+            </a:r>
+            <a:endParaRPr lang="en-GB" sz="2000" dirty="0"/>
+          </a:p>
+        </p:txBody>
+      </p:sp>
+      <p:sp>
+        <p:nvSpPr>
+          <p:cNvPr id="20" name="Arrow: Right 19">
+            <a:extLst>
+              <a:ext uri="{FF2B5EF4-FFF2-40B4-BE49-F238E27FC236}">
+                <a16:creationId xmlns:a16="http://schemas.microsoft.com/office/drawing/2014/main" id="{85B1A9D8-A92B-0892-754F-24CCC8882996}"/>
+              </a:ext>
+            </a:extLst>
+          </p:cNvPr>
+          <p:cNvSpPr/>
+          <p:nvPr/>
+        </p:nvSpPr>
+        <p:spPr>
+          <a:xfrm>
+            <a:off x="3905132" y="2071153"/>
+            <a:ext cx="252000" cy="289891"/>
+          </a:xfrm>
+          <a:prstGeom prst="rightArrow">
+            <a:avLst/>
+          </a:prstGeom>
+        </p:spPr>
+        <p:style>
+          <a:lnRef idx="2">
+            <a:schemeClr val="dk1">
+              <a:shade val="50000"/>
+            </a:schemeClr>
+          </a:lnRef>
+          <a:fillRef idx="1">
+            <a:schemeClr val="dk1"/>
+          </a:fillRef>
+          <a:effectRef idx="0">
+            <a:schemeClr val="dk1"/>
+          </a:effectRef>
+          <a:fontRef idx="minor">
+            <a:schemeClr val="lt1"/>
+          </a:fontRef>
+        </p:style>
+        <p:txBody>
+          <a:bodyPr rtlCol="0" anchor="ctr"/>
+          <a:lstStyle/>
+          <a:p>
+            <a:pPr algn="ctr"/>
+            <a:endParaRPr lang="en-GB"/>
+          </a:p>
+        </p:txBody>
+      </p:sp>
+      <p:sp>
+        <p:nvSpPr>
+          <p:cNvPr id="21" name="Arrow: Right 20">
+            <a:extLst>
+              <a:ext uri="{FF2B5EF4-FFF2-40B4-BE49-F238E27FC236}">
+                <a16:creationId xmlns:a16="http://schemas.microsoft.com/office/drawing/2014/main" id="{40E6ADC4-D87B-0E97-1A31-5A2043864EB8}"/>
+              </a:ext>
+            </a:extLst>
+          </p:cNvPr>
+          <p:cNvSpPr/>
+          <p:nvPr/>
+        </p:nvSpPr>
+        <p:spPr>
+          <a:xfrm>
+            <a:off x="7551211" y="2071153"/>
+            <a:ext cx="252000" cy="289891"/>
+          </a:xfrm>
+          <a:prstGeom prst="rightArrow">
+            <a:avLst/>
+          </a:prstGeom>
+        </p:spPr>
+        <p:style>
+          <a:lnRef idx="2">
+            <a:schemeClr val="dk1">
+              <a:shade val="50000"/>
+            </a:schemeClr>
+          </a:lnRef>
+          <a:fillRef idx="1">
+            <a:schemeClr val="dk1"/>
+          </a:fillRef>
+          <a:effectRef idx="0">
+            <a:schemeClr val="dk1"/>
+          </a:effectRef>
+          <a:fontRef idx="minor">
+            <a:schemeClr val="lt1"/>
+          </a:fontRef>
+        </p:style>
+        <p:txBody>
+          <a:bodyPr rtlCol="0" anchor="ctr"/>
+          <a:lstStyle/>
+          <a:p>
+            <a:pPr algn="ctr"/>
+            <a:endParaRPr lang="en-GB"/>
+          </a:p>
+        </p:txBody>
+      </p:sp>
+      <p:sp>
+        <p:nvSpPr>
+          <p:cNvPr id="22" name="Arrow: Right 21">
+            <a:extLst>
+              <a:ext uri="{FF2B5EF4-FFF2-40B4-BE49-F238E27FC236}">
+                <a16:creationId xmlns:a16="http://schemas.microsoft.com/office/drawing/2014/main" id="{C5EFA2DF-52D7-2DDE-5E9A-45068AC42CF6}"/>
+              </a:ext>
+            </a:extLst>
+          </p:cNvPr>
+          <p:cNvSpPr/>
+          <p:nvPr/>
+        </p:nvSpPr>
+        <p:spPr>
+          <a:xfrm>
+            <a:off x="3898508" y="5473643"/>
+            <a:ext cx="252000" cy="289891"/>
+          </a:xfrm>
+          <a:prstGeom prst="rightArrow">
+            <a:avLst/>
+          </a:prstGeom>
+        </p:spPr>
+        <p:style>
+          <a:lnRef idx="2">
+            <a:schemeClr val="dk1">
+              <a:shade val="50000"/>
+            </a:schemeClr>
+          </a:lnRef>
+          <a:fillRef idx="1">
+            <a:schemeClr val="dk1"/>
+          </a:fillRef>
+          <a:effectRef idx="0">
+            <a:schemeClr val="dk1"/>
+          </a:effectRef>
+          <a:fontRef idx="minor">
+            <a:schemeClr val="lt1"/>
+          </a:fontRef>
+        </p:style>
+        <p:txBody>
+          <a:bodyPr rtlCol="0" anchor="ctr"/>
+          <a:lstStyle/>
+          <a:p>
+            <a:pPr algn="ctr"/>
+            <a:endParaRPr lang="en-GB"/>
+          </a:p>
+        </p:txBody>
+      </p:sp>
+      <p:sp>
+        <p:nvSpPr>
+          <p:cNvPr id="23" name="Arrow: Right 22">
+            <a:extLst>
+              <a:ext uri="{FF2B5EF4-FFF2-40B4-BE49-F238E27FC236}">
+                <a16:creationId xmlns:a16="http://schemas.microsoft.com/office/drawing/2014/main" id="{1873FFD8-E2CF-6DC4-1650-14DE7ABC8541}"/>
+              </a:ext>
+            </a:extLst>
+          </p:cNvPr>
+          <p:cNvSpPr/>
+          <p:nvPr/>
+        </p:nvSpPr>
+        <p:spPr>
+          <a:xfrm>
+            <a:off x="7544587" y="5473643"/>
+            <a:ext cx="252000" cy="289891"/>
+          </a:xfrm>
+          <a:prstGeom prst="rightArrow">
+            <a:avLst/>
+          </a:prstGeom>
+        </p:spPr>
+        <p:style>
+          <a:lnRef idx="2">
+            <a:schemeClr val="dk1">
+              <a:shade val="50000"/>
+            </a:schemeClr>
+          </a:lnRef>
+          <a:fillRef idx="1">
+            <a:schemeClr val="dk1"/>
+          </a:fillRef>
+          <a:effectRef idx="0">
+            <a:schemeClr val="dk1"/>
+          </a:effectRef>
+          <a:fontRef idx="minor">
+            <a:schemeClr val="lt1"/>
+          </a:fontRef>
+        </p:style>
+        <p:txBody>
+          <a:bodyPr rtlCol="0" anchor="ctr"/>
+          <a:lstStyle/>
+          <a:p>
+            <a:pPr algn="ctr"/>
+            <a:endParaRPr lang="en-GB"/>
+          </a:p>
+        </p:txBody>
+      </p:sp>
+    </p:spTree>
+    <p:extLst>
+      <p:ext uri="{BB962C8B-B14F-4D97-AF65-F5344CB8AC3E}">
+        <p14:creationId xmlns:p14="http://schemas.microsoft.com/office/powerpoint/2010/main" val="1750559026"/>
+      </p:ext>
+    </p:extLst>
+  </p:cSld>
+  <p:clrMapOvr>
+    <a:masterClrMapping/>
+  </p:clrMapOvr>
+</p:sld>
+</file>
+
+<file path=ppt/slides/slide7.xml><?xml version="1.0" encoding="utf-8"?>
+<p:sld xmlns:a="http://schemas.openxmlformats.org/drawingml/2006/main" xmlns:r="http://schemas.openxmlformats.org/officeDocument/2006/relationships" xmlns:p="http://schemas.openxmlformats.org/presentationml/2006/main">
+  <p:cSld>
+    <p:spTree>
+      <p:nvGrpSpPr>
+        <p:cNvPr id="1" name=""/>
+        <p:cNvGrpSpPr/>
+        <p:nvPr/>
+      </p:nvGrpSpPr>
+      <p:grpSpPr>
+        <a:xfrm>
+          <a:off x="0" y="0"/>
+          <a:ext cx="0" cy="0"/>
+          <a:chOff x="0" y="0"/>
+          <a:chExt cx="0" cy="0"/>
+        </a:xfrm>
+      </p:grpSpPr>
+      <p:pic>
+        <p:nvPicPr>
+          <p:cNvPr id="2" name="Picture 1">
+            <a:extLst>
+              <a:ext uri="{FF2B5EF4-FFF2-40B4-BE49-F238E27FC236}">
+                <a16:creationId xmlns:a16="http://schemas.microsoft.com/office/drawing/2014/main" id="{974BA518-7109-A1E3-013B-6C7F339BE3C9}"/>
+              </a:ext>
+            </a:extLst>
+          </p:cNvPr>
+          <p:cNvPicPr>
+            <a:picLocks noChangeAspect="1"/>
+          </p:cNvPicPr>
+          <p:nvPr/>
+        </p:nvPicPr>
         <p:blipFill>
-          <a:blip r:embed="rId4"/>
+          <a:blip r:embed="rId2"/>
           <a:stretch>
             <a:fillRect/>
           </a:stretch>
         </p:blipFill>
         <p:spPr>
           <a:xfrm>
-            <a:off x="1155556" y="4219307"/>
-            <a:ext cx="3451786" cy="2249705"/>
+            <a:off x="7007087" y="938746"/>
+            <a:ext cx="4165874" cy="5919253"/>
           </a:xfrm>
           <a:prstGeom prst="rect">
             <a:avLst/>
           </a:prstGeom>
         </p:spPr>
       </p:pic>
+      <p:sp>
+        <p:nvSpPr>
+          <p:cNvPr id="4" name="TextBox 3">
+            <a:extLst>
+              <a:ext uri="{FF2B5EF4-FFF2-40B4-BE49-F238E27FC236}">
+                <a16:creationId xmlns:a16="http://schemas.microsoft.com/office/drawing/2014/main" id="{4E9B5D49-8AE3-2283-E612-0AFE086E2E33}"/>
+              </a:ext>
+            </a:extLst>
+          </p:cNvPr>
+          <p:cNvSpPr txBox="1"/>
+          <p:nvPr/>
+        </p:nvSpPr>
+        <p:spPr>
+          <a:xfrm>
+            <a:off x="2232133" y="1679714"/>
+            <a:ext cx="1641796" cy="400110"/>
+          </a:xfrm>
+          <a:prstGeom prst="rect">
+            <a:avLst/>
+          </a:prstGeom>
+          <a:noFill/>
+        </p:spPr>
+        <p:txBody>
+          <a:bodyPr wrap="none" rtlCol="0">
+            <a:spAutoFit/>
+          </a:bodyPr>
+          <a:lstStyle/>
+          <a:p>
+            <a:r>
+              <a:rPr lang="en-US" sz="2000" b="1" dirty="0"/>
+              <a:t>Simple model</a:t>
+            </a:r>
+            <a:endParaRPr lang="en-GB" sz="2000" b="1" dirty="0"/>
+          </a:p>
+        </p:txBody>
+      </p:sp>
+      <p:sp>
+        <p:nvSpPr>
+          <p:cNvPr id="5" name="TextBox 4">
+            <a:extLst>
+              <a:ext uri="{FF2B5EF4-FFF2-40B4-BE49-F238E27FC236}">
+                <a16:creationId xmlns:a16="http://schemas.microsoft.com/office/drawing/2014/main" id="{49D0E06A-D4BB-C10D-CA4F-D0ED4C39591A}"/>
+              </a:ext>
+            </a:extLst>
+          </p:cNvPr>
+          <p:cNvSpPr txBox="1"/>
+          <p:nvPr/>
+        </p:nvSpPr>
+        <p:spPr>
+          <a:xfrm>
+            <a:off x="7493246" y="221975"/>
+            <a:ext cx="3013774" cy="400110"/>
+          </a:xfrm>
+          <a:prstGeom prst="rect">
+            <a:avLst/>
+          </a:prstGeom>
+          <a:noFill/>
+        </p:spPr>
+        <p:txBody>
+          <a:bodyPr wrap="none" rtlCol="0">
+            <a:spAutoFit/>
+          </a:bodyPr>
+          <a:lstStyle/>
+          <a:p>
+            <a:r>
+              <a:rPr lang="en-US" sz="2000" b="1" dirty="0"/>
+              <a:t>A bit more complex model</a:t>
+            </a:r>
+            <a:endParaRPr lang="en-GB" sz="2000" b="1" dirty="0"/>
+          </a:p>
+        </p:txBody>
+      </p:sp>
       <p:pic>
         <p:nvPicPr>
-          <p:cNvPr id="17" name="Picture 16">
-            <a:extLst>
-              <a:ext uri="{FF2B5EF4-FFF2-40B4-BE49-F238E27FC236}">
-                <a16:creationId xmlns:a16="http://schemas.microsoft.com/office/drawing/2014/main" id="{9AEF0614-1437-CD40-A795-F341F1D0F8E6}"/>
+          <p:cNvPr id="7" name="Picture 6">
+            <a:extLst>
+              <a:ext uri="{FF2B5EF4-FFF2-40B4-BE49-F238E27FC236}">
+                <a16:creationId xmlns:a16="http://schemas.microsoft.com/office/drawing/2014/main" id="{C0675AF2-0F0A-4CAE-7AB4-61A09EF31143}"/>
               </a:ext>
             </a:extLst>
           </p:cNvPr>
@@ -4168,15 +7755,15 @@
           <p:nvPr/>
         </p:nvPicPr>
         <p:blipFill>
-          <a:blip r:embed="rId5"/>
+          <a:blip r:embed="rId3"/>
           <a:stretch>
             <a:fillRect/>
           </a:stretch>
         </p:blipFill>
         <p:spPr>
           <a:xfrm>
-            <a:off x="1239520" y="1066774"/>
-            <a:ext cx="3367822" cy="2218327"/>
+            <a:off x="1848359" y="2217906"/>
+            <a:ext cx="2639335" cy="2265624"/>
           </a:xfrm>
           <a:prstGeom prst="rect">
             <a:avLst/>
@@ -4186,7 +7773,478 @@
     </p:spTree>
     <p:extLst>
       <p:ext uri="{BB962C8B-B14F-4D97-AF65-F5344CB8AC3E}">
-        <p14:creationId xmlns:p14="http://schemas.microsoft.com/office/powerpoint/2010/main" val="1910811992"/>
+        <p14:creationId xmlns:p14="http://schemas.microsoft.com/office/powerpoint/2010/main" val="1354989194"/>
+      </p:ext>
+    </p:extLst>
+  </p:cSld>
+  <p:clrMapOvr>
+    <a:masterClrMapping/>
+  </p:clrMapOvr>
+</p:sld>
+</file>
+
+<file path=ppt/slides/slide8.xml><?xml version="1.0" encoding="utf-8"?>
+<p:sld xmlns:a="http://schemas.openxmlformats.org/drawingml/2006/main" xmlns:r="http://schemas.openxmlformats.org/officeDocument/2006/relationships" xmlns:p="http://schemas.openxmlformats.org/presentationml/2006/main">
+  <p:cSld>
+    <p:spTree>
+      <p:nvGrpSpPr>
+        <p:cNvPr id="1" name=""/>
+        <p:cNvGrpSpPr/>
+        <p:nvPr/>
+      </p:nvGrpSpPr>
+      <p:grpSpPr>
+        <a:xfrm>
+          <a:off x="0" y="0"/>
+          <a:ext cx="0" cy="0"/>
+          <a:chOff x="0" y="0"/>
+          <a:chExt cx="0" cy="0"/>
+        </a:xfrm>
+      </p:grpSpPr>
+      <p:sp>
+        <p:nvSpPr>
+          <p:cNvPr id="2" name="TextBox 1">
+            <a:extLst>
+              <a:ext uri="{FF2B5EF4-FFF2-40B4-BE49-F238E27FC236}">
+                <a16:creationId xmlns:a16="http://schemas.microsoft.com/office/drawing/2014/main" id="{60B74174-3CA7-C0AB-1E14-41F250872D4A}"/>
+              </a:ext>
+            </a:extLst>
+          </p:cNvPr>
+          <p:cNvSpPr txBox="1"/>
+          <p:nvPr/>
+        </p:nvSpPr>
+        <p:spPr>
+          <a:xfrm>
+            <a:off x="1706252" y="1791093"/>
+            <a:ext cx="4461350" cy="830997"/>
+          </a:xfrm>
+          <a:prstGeom prst="rect">
+            <a:avLst/>
+          </a:prstGeom>
+          <a:noFill/>
+        </p:spPr>
+        <p:txBody>
+          <a:bodyPr wrap="none" rtlCol="0">
+            <a:spAutoFit/>
+          </a:bodyPr>
+          <a:lstStyle/>
+          <a:p>
+            <a:r>
+              <a:rPr lang="en-GB" sz="2400" dirty="0"/>
+              <a:t>Sanity check – Autoencoder works</a:t>
+            </a:r>
+          </a:p>
+          <a:p>
+            <a:endParaRPr lang="en-GB" sz="2400" dirty="0"/>
+          </a:p>
+        </p:txBody>
+      </p:sp>
+      <p:pic>
+        <p:nvPicPr>
+          <p:cNvPr id="4" name="Picture 3">
+            <a:extLst>
+              <a:ext uri="{FF2B5EF4-FFF2-40B4-BE49-F238E27FC236}">
+                <a16:creationId xmlns:a16="http://schemas.microsoft.com/office/drawing/2014/main" id="{571C5A52-C356-703C-E4D5-41DC72576ACA}"/>
+              </a:ext>
+            </a:extLst>
+          </p:cNvPr>
+          <p:cNvPicPr>
+            <a:picLocks noChangeAspect="1"/>
+          </p:cNvPicPr>
+          <p:nvPr/>
+        </p:nvPicPr>
+        <p:blipFill rotWithShape="1">
+          <a:blip r:embed="rId2"/>
+          <a:srcRect t="33360"/>
+          <a:stretch/>
+        </p:blipFill>
+        <p:spPr>
+          <a:xfrm>
+            <a:off x="1208708" y="2622090"/>
+            <a:ext cx="9307224" cy="2279044"/>
+          </a:xfrm>
+          <a:prstGeom prst="rect">
+            <a:avLst/>
+          </a:prstGeom>
+        </p:spPr>
+      </p:pic>
+    </p:spTree>
+    <p:extLst>
+      <p:ext uri="{BB962C8B-B14F-4D97-AF65-F5344CB8AC3E}">
+        <p14:creationId xmlns:p14="http://schemas.microsoft.com/office/powerpoint/2010/main" val="3977617854"/>
+      </p:ext>
+    </p:extLst>
+  </p:cSld>
+  <p:clrMapOvr>
+    <a:masterClrMapping/>
+  </p:clrMapOvr>
+</p:sld>
+</file>
+
+<file path=ppt/slides/slide9.xml><?xml version="1.0" encoding="utf-8"?>
+<p:sld xmlns:a="http://schemas.openxmlformats.org/drawingml/2006/main" xmlns:r="http://schemas.openxmlformats.org/officeDocument/2006/relationships" xmlns:p="http://schemas.openxmlformats.org/presentationml/2006/main">
+  <p:cSld>
+    <p:spTree>
+      <p:nvGrpSpPr>
+        <p:cNvPr id="1" name=""/>
+        <p:cNvGrpSpPr/>
+        <p:nvPr/>
+      </p:nvGrpSpPr>
+      <p:grpSpPr>
+        <a:xfrm>
+          <a:off x="0" y="0"/>
+          <a:ext cx="0" cy="0"/>
+          <a:chOff x="0" y="0"/>
+          <a:chExt cx="0" cy="0"/>
+        </a:xfrm>
+      </p:grpSpPr>
+      <p:pic>
+        <p:nvPicPr>
+          <p:cNvPr id="3" name="Picture 2">
+            <a:extLst>
+              <a:ext uri="{FF2B5EF4-FFF2-40B4-BE49-F238E27FC236}">
+                <a16:creationId xmlns:a16="http://schemas.microsoft.com/office/drawing/2014/main" id="{FF36838E-141E-F495-EB91-D3CEA2EBA110}"/>
+              </a:ext>
+            </a:extLst>
+          </p:cNvPr>
+          <p:cNvPicPr>
+            <a:picLocks noChangeAspect="1"/>
+          </p:cNvPicPr>
+          <p:nvPr/>
+        </p:nvPicPr>
+        <p:blipFill rotWithShape="1">
+          <a:blip r:embed="rId2"/>
+          <a:srcRect r="25737"/>
+          <a:stretch/>
+        </p:blipFill>
+        <p:spPr>
+          <a:xfrm>
+            <a:off x="172401" y="1495836"/>
+            <a:ext cx="3066910" cy="4203271"/>
+          </a:xfrm>
+          <a:prstGeom prst="rect">
+            <a:avLst/>
+          </a:prstGeom>
+        </p:spPr>
+      </p:pic>
+      <p:sp>
+        <p:nvSpPr>
+          <p:cNvPr id="4" name="TextBox 3">
+            <a:extLst>
+              <a:ext uri="{FF2B5EF4-FFF2-40B4-BE49-F238E27FC236}">
+                <a16:creationId xmlns:a16="http://schemas.microsoft.com/office/drawing/2014/main" id="{4B1D3D9B-E59E-2BF1-605B-2A406343AB26}"/>
+              </a:ext>
+            </a:extLst>
+          </p:cNvPr>
+          <p:cNvSpPr txBox="1"/>
+          <p:nvPr/>
+        </p:nvSpPr>
+        <p:spPr>
+          <a:xfrm>
+            <a:off x="239321" y="369503"/>
+            <a:ext cx="3484267" cy="523220"/>
+          </a:xfrm>
+          <a:prstGeom prst="rect">
+            <a:avLst/>
+          </a:prstGeom>
+          <a:noFill/>
+        </p:spPr>
+        <p:txBody>
+          <a:bodyPr wrap="square" rtlCol="0">
+            <a:spAutoFit/>
+          </a:bodyPr>
+          <a:lstStyle/>
+          <a:p>
+            <a:r>
+              <a:rPr lang="en-US" sz="2800" dirty="0"/>
+              <a:t>Simple Model results</a:t>
+            </a:r>
+            <a:endParaRPr lang="en-GB" sz="2800" dirty="0"/>
+          </a:p>
+        </p:txBody>
+      </p:sp>
+      <p:sp>
+        <p:nvSpPr>
+          <p:cNvPr id="5" name="Rectangle 4">
+            <a:extLst>
+              <a:ext uri="{FF2B5EF4-FFF2-40B4-BE49-F238E27FC236}">
+                <a16:creationId xmlns:a16="http://schemas.microsoft.com/office/drawing/2014/main" id="{9CBB55E2-C367-BF3F-8592-E3FF392E0B6E}"/>
+              </a:ext>
+            </a:extLst>
+          </p:cNvPr>
+          <p:cNvSpPr/>
+          <p:nvPr/>
+        </p:nvSpPr>
+        <p:spPr>
+          <a:xfrm>
+            <a:off x="122548" y="2325757"/>
+            <a:ext cx="5003929" cy="2554356"/>
+          </a:xfrm>
+          <a:prstGeom prst="rect">
+            <a:avLst/>
+          </a:prstGeom>
+          <a:noFill/>
+          <a:ln w="57150">
+            <a:solidFill>
+              <a:schemeClr val="bg1">
+                <a:lumMod val="75000"/>
+              </a:schemeClr>
+            </a:solidFill>
+          </a:ln>
+        </p:spPr>
+        <p:style>
+          <a:lnRef idx="2">
+            <a:schemeClr val="accent1">
+              <a:shade val="50000"/>
+            </a:schemeClr>
+          </a:lnRef>
+          <a:fillRef idx="1">
+            <a:schemeClr val="accent1"/>
+          </a:fillRef>
+          <a:effectRef idx="0">
+            <a:schemeClr val="accent1"/>
+          </a:effectRef>
+          <a:fontRef idx="minor">
+            <a:schemeClr val="lt1"/>
+          </a:fontRef>
+        </p:style>
+        <p:txBody>
+          <a:bodyPr rtlCol="0" anchor="ctr"/>
+          <a:lstStyle/>
+          <a:p>
+            <a:pPr algn="ctr"/>
+            <a:endParaRPr lang="en-GB"/>
+          </a:p>
+        </p:txBody>
+      </p:sp>
+      <p:sp>
+        <p:nvSpPr>
+          <p:cNvPr id="6" name="TextBox 5">
+            <a:extLst>
+              <a:ext uri="{FF2B5EF4-FFF2-40B4-BE49-F238E27FC236}">
+                <a16:creationId xmlns:a16="http://schemas.microsoft.com/office/drawing/2014/main" id="{4A097766-124E-9908-0224-5E358743417D}"/>
+              </a:ext>
+            </a:extLst>
+          </p:cNvPr>
+          <p:cNvSpPr txBox="1"/>
+          <p:nvPr/>
+        </p:nvSpPr>
+        <p:spPr>
+          <a:xfrm>
+            <a:off x="3362412" y="3429000"/>
+            <a:ext cx="936475" cy="369332"/>
+          </a:xfrm>
+          <a:prstGeom prst="rect">
+            <a:avLst/>
+          </a:prstGeom>
+          <a:noFill/>
+        </p:spPr>
+        <p:txBody>
+          <a:bodyPr wrap="none" rtlCol="0">
+            <a:spAutoFit/>
+          </a:bodyPr>
+          <a:lstStyle/>
+          <a:p>
+            <a:r>
+              <a:rPr lang="en-GB" b="1" dirty="0"/>
+              <a:t>Original</a:t>
+            </a:r>
+          </a:p>
+        </p:txBody>
+      </p:sp>
+      <p:sp>
+        <p:nvSpPr>
+          <p:cNvPr id="7" name="TextBox 6">
+            <a:extLst>
+              <a:ext uri="{FF2B5EF4-FFF2-40B4-BE49-F238E27FC236}">
+                <a16:creationId xmlns:a16="http://schemas.microsoft.com/office/drawing/2014/main" id="{A9E0EE51-B2D8-C24F-2120-96B32DA4E1AA}"/>
+              </a:ext>
+            </a:extLst>
+          </p:cNvPr>
+          <p:cNvSpPr txBox="1"/>
+          <p:nvPr/>
+        </p:nvSpPr>
+        <p:spPr>
+          <a:xfrm>
+            <a:off x="3206756" y="2439463"/>
+            <a:ext cx="2048287" cy="646331"/>
+          </a:xfrm>
+          <a:prstGeom prst="rect">
+            <a:avLst/>
+          </a:prstGeom>
+          <a:noFill/>
+        </p:spPr>
+        <p:txBody>
+          <a:bodyPr wrap="square" rtlCol="0">
+            <a:spAutoFit/>
+          </a:bodyPr>
+          <a:lstStyle/>
+          <a:p>
+            <a:r>
+              <a:rPr lang="en-GB" dirty="0"/>
+              <a:t>Reconstruction </a:t>
+            </a:r>
+            <a:r>
+              <a:rPr lang="en-GB" b="1" dirty="0"/>
+              <a:t>regular</a:t>
+            </a:r>
+            <a:r>
+              <a:rPr lang="en-GB" dirty="0"/>
+              <a:t> ‘noise’</a:t>
+            </a:r>
+          </a:p>
+        </p:txBody>
+      </p:sp>
+      <p:cxnSp>
+        <p:nvCxnSpPr>
+          <p:cNvPr id="10" name="Straight Connector 9">
+            <a:extLst>
+              <a:ext uri="{FF2B5EF4-FFF2-40B4-BE49-F238E27FC236}">
+                <a16:creationId xmlns:a16="http://schemas.microsoft.com/office/drawing/2014/main" id="{AC9CC594-C293-E8FF-A00D-2236B5461404}"/>
+              </a:ext>
+            </a:extLst>
+          </p:cNvPr>
+          <p:cNvCxnSpPr/>
+          <p:nvPr/>
+        </p:nvCxnSpPr>
+        <p:spPr>
+          <a:xfrm>
+            <a:off x="3156429" y="3176970"/>
+            <a:ext cx="1769674" cy="0"/>
+          </a:xfrm>
+          <a:prstGeom prst="line">
+            <a:avLst/>
+          </a:prstGeom>
+        </p:spPr>
+        <p:style>
+          <a:lnRef idx="1">
+            <a:schemeClr val="accent3"/>
+          </a:lnRef>
+          <a:fillRef idx="0">
+            <a:schemeClr val="accent3"/>
+          </a:fillRef>
+          <a:effectRef idx="0">
+            <a:schemeClr val="accent3"/>
+          </a:effectRef>
+          <a:fontRef idx="minor">
+            <a:schemeClr val="tx1"/>
+          </a:fontRef>
+        </p:style>
+      </p:cxnSp>
+      <p:cxnSp>
+        <p:nvCxnSpPr>
+          <p:cNvPr id="11" name="Straight Connector 10">
+            <a:extLst>
+              <a:ext uri="{FF2B5EF4-FFF2-40B4-BE49-F238E27FC236}">
+                <a16:creationId xmlns:a16="http://schemas.microsoft.com/office/drawing/2014/main" id="{362DF107-1FE7-4B2A-F15E-D8C130954B07}"/>
+              </a:ext>
+            </a:extLst>
+          </p:cNvPr>
+          <p:cNvCxnSpPr/>
+          <p:nvPr/>
+        </p:nvCxnSpPr>
+        <p:spPr>
+          <a:xfrm>
+            <a:off x="3186279" y="3998673"/>
+            <a:ext cx="1769674" cy="0"/>
+          </a:xfrm>
+          <a:prstGeom prst="line">
+            <a:avLst/>
+          </a:prstGeom>
+        </p:spPr>
+        <p:style>
+          <a:lnRef idx="1">
+            <a:schemeClr val="accent3"/>
+          </a:lnRef>
+          <a:fillRef idx="0">
+            <a:schemeClr val="accent3"/>
+          </a:fillRef>
+          <a:effectRef idx="0">
+            <a:schemeClr val="accent3"/>
+          </a:effectRef>
+          <a:fontRef idx="minor">
+            <a:schemeClr val="tx1"/>
+          </a:fontRef>
+        </p:style>
+      </p:cxnSp>
+      <p:sp>
+        <p:nvSpPr>
+          <p:cNvPr id="14" name="TextBox 13">
+            <a:extLst>
+              <a:ext uri="{FF2B5EF4-FFF2-40B4-BE49-F238E27FC236}">
+                <a16:creationId xmlns:a16="http://schemas.microsoft.com/office/drawing/2014/main" id="{B2625AB2-A853-507C-6097-642168A37BAC}"/>
+              </a:ext>
+            </a:extLst>
+          </p:cNvPr>
+          <p:cNvSpPr txBox="1"/>
+          <p:nvPr/>
+        </p:nvSpPr>
+        <p:spPr>
+          <a:xfrm>
+            <a:off x="3204136" y="4089850"/>
+            <a:ext cx="2147154" cy="646331"/>
+          </a:xfrm>
+          <a:prstGeom prst="rect">
+            <a:avLst/>
+          </a:prstGeom>
+          <a:noFill/>
+        </p:spPr>
+        <p:txBody>
+          <a:bodyPr wrap="square" rtlCol="0">
+            <a:spAutoFit/>
+          </a:bodyPr>
+          <a:lstStyle/>
+          <a:p>
+            <a:r>
+              <a:rPr lang="en-GB" dirty="0"/>
+              <a:t>Reconstruction </a:t>
+            </a:r>
+          </a:p>
+          <a:p>
+            <a:r>
+              <a:rPr lang="en-GB" b="1" dirty="0"/>
+              <a:t>random</a:t>
+            </a:r>
+            <a:r>
+              <a:rPr lang="en-GB" dirty="0"/>
+              <a:t> noise</a:t>
+            </a:r>
+          </a:p>
+        </p:txBody>
+      </p:sp>
+      <p:pic>
+        <p:nvPicPr>
+          <p:cNvPr id="17" name="Picture 16">
+            <a:extLst>
+              <a:ext uri="{FF2B5EF4-FFF2-40B4-BE49-F238E27FC236}">
+                <a16:creationId xmlns:a16="http://schemas.microsoft.com/office/drawing/2014/main" id="{D30B8F6C-9B65-CF74-D42F-DF9CCF07AEB9}"/>
+              </a:ext>
+            </a:extLst>
+          </p:cNvPr>
+          <p:cNvPicPr>
+            <a:picLocks noChangeAspect="1"/>
+          </p:cNvPicPr>
+          <p:nvPr/>
+        </p:nvPicPr>
+        <p:blipFill>
+          <a:blip r:embed="rId3"/>
+          <a:stretch>
+            <a:fillRect/>
+          </a:stretch>
+        </p:blipFill>
+        <p:spPr>
+          <a:xfrm>
+            <a:off x="5249578" y="1912420"/>
+            <a:ext cx="6913380" cy="3754983"/>
+          </a:xfrm>
+          <a:prstGeom prst="rect">
+            <a:avLst/>
+          </a:prstGeom>
+        </p:spPr>
+      </p:pic>
+    </p:spTree>
+    <p:extLst>
+      <p:ext uri="{BB962C8B-B14F-4D97-AF65-F5344CB8AC3E}">
+        <p14:creationId xmlns:p14="http://schemas.microsoft.com/office/powerpoint/2010/main" val="1909620857"/>
       </p:ext>
     </p:extLst>
   </p:cSld>
